--- a/ppt/241124 포트폴리오_김유석.pptx
+++ b/ppt/241124 포트폴리오_김유석.pptx
@@ -265,7 +265,7 @@
           <a:p>
             <a:fld id="{5D3C7D45-EBA1-45BD-853C-4CFD30122036}" type="datetimeFigureOut">
               <a:rPr lang="ko-KR" altLang="en-US" smtClean="0"/>
-              <a:t>2024-11-24</a:t>
+              <a:t>2024-11-27</a:t>
             </a:fld>
             <a:endParaRPr lang="ko-KR" altLang="en-US"/>
           </a:p>
@@ -435,7 +435,7 @@
           <a:p>
             <a:fld id="{5D3C7D45-EBA1-45BD-853C-4CFD30122036}" type="datetimeFigureOut">
               <a:rPr lang="ko-KR" altLang="en-US" smtClean="0"/>
-              <a:t>2024-11-24</a:t>
+              <a:t>2024-11-27</a:t>
             </a:fld>
             <a:endParaRPr lang="ko-KR" altLang="en-US"/>
           </a:p>
@@ -615,7 +615,7 @@
           <a:p>
             <a:fld id="{5D3C7D45-EBA1-45BD-853C-4CFD30122036}" type="datetimeFigureOut">
               <a:rPr lang="ko-KR" altLang="en-US" smtClean="0"/>
-              <a:t>2024-11-24</a:t>
+              <a:t>2024-11-27</a:t>
             </a:fld>
             <a:endParaRPr lang="ko-KR" altLang="en-US"/>
           </a:p>
@@ -785,7 +785,7 @@
           <a:p>
             <a:fld id="{5D3C7D45-EBA1-45BD-853C-4CFD30122036}" type="datetimeFigureOut">
               <a:rPr lang="ko-KR" altLang="en-US" smtClean="0"/>
-              <a:t>2024-11-24</a:t>
+              <a:t>2024-11-27</a:t>
             </a:fld>
             <a:endParaRPr lang="ko-KR" altLang="en-US"/>
           </a:p>
@@ -1029,7 +1029,7 @@
           <a:p>
             <a:fld id="{5D3C7D45-EBA1-45BD-853C-4CFD30122036}" type="datetimeFigureOut">
               <a:rPr lang="ko-KR" altLang="en-US" smtClean="0"/>
-              <a:t>2024-11-24</a:t>
+              <a:t>2024-11-27</a:t>
             </a:fld>
             <a:endParaRPr lang="ko-KR" altLang="en-US"/>
           </a:p>
@@ -1261,7 +1261,7 @@
           <a:p>
             <a:fld id="{5D3C7D45-EBA1-45BD-853C-4CFD30122036}" type="datetimeFigureOut">
               <a:rPr lang="ko-KR" altLang="en-US" smtClean="0"/>
-              <a:t>2024-11-24</a:t>
+              <a:t>2024-11-27</a:t>
             </a:fld>
             <a:endParaRPr lang="ko-KR" altLang="en-US"/>
           </a:p>
@@ -1628,7 +1628,7 @@
           <a:p>
             <a:fld id="{5D3C7D45-EBA1-45BD-853C-4CFD30122036}" type="datetimeFigureOut">
               <a:rPr lang="ko-KR" altLang="en-US" smtClean="0"/>
-              <a:t>2024-11-24</a:t>
+              <a:t>2024-11-27</a:t>
             </a:fld>
             <a:endParaRPr lang="ko-KR" altLang="en-US"/>
           </a:p>
@@ -1746,7 +1746,7 @@
           <a:p>
             <a:fld id="{5D3C7D45-EBA1-45BD-853C-4CFD30122036}" type="datetimeFigureOut">
               <a:rPr lang="ko-KR" altLang="en-US" smtClean="0"/>
-              <a:t>2024-11-24</a:t>
+              <a:t>2024-11-27</a:t>
             </a:fld>
             <a:endParaRPr lang="ko-KR" altLang="en-US"/>
           </a:p>
@@ -1841,7 +1841,7 @@
           <a:p>
             <a:fld id="{5D3C7D45-EBA1-45BD-853C-4CFD30122036}" type="datetimeFigureOut">
               <a:rPr lang="ko-KR" altLang="en-US" smtClean="0"/>
-              <a:t>2024-11-24</a:t>
+              <a:t>2024-11-27</a:t>
             </a:fld>
             <a:endParaRPr lang="ko-KR" altLang="en-US"/>
           </a:p>
@@ -2118,7 +2118,7 @@
           <a:p>
             <a:fld id="{5D3C7D45-EBA1-45BD-853C-4CFD30122036}" type="datetimeFigureOut">
               <a:rPr lang="ko-KR" altLang="en-US" smtClean="0"/>
-              <a:t>2024-11-24</a:t>
+              <a:t>2024-11-27</a:t>
             </a:fld>
             <a:endParaRPr lang="ko-KR" altLang="en-US"/>
           </a:p>
@@ -2375,7 +2375,7 @@
           <a:p>
             <a:fld id="{5D3C7D45-EBA1-45BD-853C-4CFD30122036}" type="datetimeFigureOut">
               <a:rPr lang="ko-KR" altLang="en-US" smtClean="0"/>
-              <a:t>2024-11-24</a:t>
+              <a:t>2024-11-27</a:t>
             </a:fld>
             <a:endParaRPr lang="ko-KR" altLang="en-US"/>
           </a:p>
@@ -2588,7 +2588,7 @@
           <a:p>
             <a:fld id="{5D3C7D45-EBA1-45BD-853C-4CFD30122036}" type="datetimeFigureOut">
               <a:rPr lang="ko-KR" altLang="en-US" smtClean="0"/>
-              <a:t>2024-11-24</a:t>
+              <a:t>2024-11-27</a:t>
             </a:fld>
             <a:endParaRPr lang="ko-KR" altLang="en-US"/>
           </a:p>
@@ -3137,7 +3137,7 @@
         <p:spPr>
           <a:xfrm>
             <a:off x="742950" y="3037402"/>
-            <a:ext cx="3505200" cy="307777"/>
+            <a:ext cx="3505200" cy="861774"/>
           </a:xfrm>
           <a:prstGeom prst="rect">
             <a:avLst/>
@@ -3162,7 +3162,210 @@
               </a:rPr>
               <a:t>2024 PORTFOLIO</a:t>
             </a:r>
-            <a:endParaRPr lang="ko-KR" altLang="en-US" sz="1400" dirty="0">
+          </a:p>
+          <a:p>
+            <a:endParaRPr lang="en-US" altLang="ko-KR" sz="1400" dirty="0">
+              <a:solidFill>
+                <a:schemeClr val="bg1">
+                  <a:lumMod val="85000"/>
+                </a:schemeClr>
+              </a:solidFill>
+              <a:latin typeface="G마켓 산스 TTF Medium" panose="02000000000000000000" pitchFamily="2" charset="-127"/>
+              <a:ea typeface="G마켓 산스 TTF Medium" panose="02000000000000000000" pitchFamily="2" charset="-127"/>
+            </a:endParaRPr>
+          </a:p>
+          <a:p>
+            <a:endParaRPr lang="en-US" altLang="ko-KR" sz="1100" dirty="0">
+              <a:solidFill>
+                <a:schemeClr val="bg1">
+                  <a:lumMod val="85000"/>
+                </a:schemeClr>
+              </a:solidFill>
+              <a:latin typeface="G마켓 산스 TTF Medium" panose="02000000000000000000" pitchFamily="2" charset="-127"/>
+              <a:ea typeface="G마켓 산스 TTF Medium" panose="02000000000000000000" pitchFamily="2" charset="-127"/>
+            </a:endParaRPr>
+          </a:p>
+          <a:p>
+            <a:endParaRPr lang="en-US" altLang="ko-KR" sz="1100" dirty="0">
+              <a:solidFill>
+                <a:schemeClr val="bg1">
+                  <a:lumMod val="85000"/>
+                </a:schemeClr>
+              </a:solidFill>
+              <a:latin typeface="G마켓 산스 TTF Medium" panose="02000000000000000000" pitchFamily="2" charset="-127"/>
+              <a:ea typeface="G마켓 산스 TTF Medium" panose="02000000000000000000" pitchFamily="2" charset="-127"/>
+            </a:endParaRPr>
+          </a:p>
+        </p:txBody>
+      </p:sp>
+      <p:sp>
+        <p:nvSpPr>
+          <p:cNvPr id="2" name="TextBox 1">
+            <a:extLst>
+              <a:ext uri="{FF2B5EF4-FFF2-40B4-BE49-F238E27FC236}">
+                <a16:creationId xmlns:a16="http://schemas.microsoft.com/office/drawing/2014/main" id="{0AB27877-18CC-E3B4-0C27-769E6C10AFDE}"/>
+              </a:ext>
+            </a:extLst>
+          </p:cNvPr>
+          <p:cNvSpPr txBox="1"/>
+          <p:nvPr/>
+        </p:nvSpPr>
+        <p:spPr>
+          <a:xfrm>
+            <a:off x="4460352" y="8479433"/>
+            <a:ext cx="3505200" cy="1154162"/>
+          </a:xfrm>
+          <a:prstGeom prst="rect">
+            <a:avLst/>
+          </a:prstGeom>
+          <a:noFill/>
+        </p:spPr>
+        <p:txBody>
+          <a:bodyPr wrap="square" rtlCol="0">
+            <a:spAutoFit/>
+          </a:bodyPr>
+          <a:lstStyle/>
+          <a:p>
+            <a:endParaRPr lang="en-US" altLang="ko-KR" sz="1400" dirty="0">
+              <a:solidFill>
+                <a:schemeClr val="bg1">
+                  <a:lumMod val="85000"/>
+                </a:schemeClr>
+              </a:solidFill>
+              <a:latin typeface="G마켓 산스 TTF Medium" panose="02000000000000000000" pitchFamily="2" charset="-127"/>
+              <a:ea typeface="G마켓 산스 TTF Medium" panose="02000000000000000000" pitchFamily="2" charset="-127"/>
+            </a:endParaRPr>
+          </a:p>
+          <a:p>
+            <a:endParaRPr lang="en-US" altLang="ko-KR" sz="1100" dirty="0">
+              <a:solidFill>
+                <a:schemeClr val="bg1">
+                  <a:lumMod val="85000"/>
+                </a:schemeClr>
+              </a:solidFill>
+              <a:latin typeface="G마켓 산스 TTF Medium" panose="02000000000000000000" pitchFamily="2" charset="-127"/>
+              <a:ea typeface="G마켓 산스 TTF Medium" panose="02000000000000000000" pitchFamily="2" charset="-127"/>
+            </a:endParaRPr>
+          </a:p>
+          <a:p>
+            <a:endParaRPr lang="en-US" altLang="ko-KR" sz="1100" dirty="0">
+              <a:solidFill>
+                <a:schemeClr val="bg1">
+                  <a:lumMod val="85000"/>
+                </a:schemeClr>
+              </a:solidFill>
+              <a:latin typeface="G마켓 산스 TTF Medium" panose="02000000000000000000" pitchFamily="2" charset="-127"/>
+              <a:ea typeface="G마켓 산스 TTF Medium" panose="02000000000000000000" pitchFamily="2" charset="-127"/>
+            </a:endParaRPr>
+          </a:p>
+          <a:p>
+            <a:r>
+              <a:rPr lang="en-US" altLang="ko-KR" sz="1100" dirty="0">
+                <a:solidFill>
+                  <a:schemeClr val="bg1">
+                    <a:lumMod val="85000"/>
+                  </a:schemeClr>
+                </a:solidFill>
+                <a:latin typeface="G마켓 산스 TTF Medium" panose="02000000000000000000" pitchFamily="2" charset="-127"/>
+                <a:ea typeface="G마켓 산스 TTF Medium" panose="02000000000000000000" pitchFamily="2" charset="-127"/>
+              </a:rPr>
+              <a:t>Tel    : 010-3582-8143</a:t>
+            </a:r>
+          </a:p>
+          <a:p>
+            <a:r>
+              <a:rPr lang="en-US" altLang="ko-KR" sz="1100" dirty="0">
+                <a:solidFill>
+                  <a:schemeClr val="bg1">
+                    <a:lumMod val="85000"/>
+                  </a:schemeClr>
+                </a:solidFill>
+                <a:latin typeface="G마켓 산스 TTF Medium" panose="02000000000000000000" pitchFamily="2" charset="-127"/>
+                <a:ea typeface="G마켓 산스 TTF Medium" panose="02000000000000000000" pitchFamily="2" charset="-127"/>
+              </a:rPr>
+              <a:t>Mail : </a:t>
+            </a:r>
+            <a:r>
+              <a:rPr lang="en-US" altLang="ko-KR" sz="1100" dirty="0">
+                <a:solidFill>
+                  <a:schemeClr val="bg1">
+                    <a:lumMod val="85000"/>
+                  </a:schemeClr>
+                </a:solidFill>
+                <a:latin typeface="G마켓 산스 TTF Medium" panose="02000000000000000000" pitchFamily="2" charset="-127"/>
+                <a:ea typeface="G마켓 산스 TTF Medium" panose="02000000000000000000" pitchFamily="2" charset="-127"/>
+                <a:hlinkClick r:id="rId2">
+                  <a:extLst>
+                    <a:ext uri="{A12FA001-AC4F-418D-AE19-62706E023703}">
+                      <ahyp:hlinkClr xmlns:ahyp="http://schemas.microsoft.com/office/drawing/2018/hyperlinkcolor" val="tx"/>
+                    </a:ext>
+                  </a:extLst>
+                </a:hlinkClick>
+              </a:rPr>
+              <a:t>kurladbtjr@gmail.com</a:t>
+            </a:r>
+            <a:endParaRPr lang="en-US" altLang="ko-KR" sz="1100" dirty="0">
+              <a:solidFill>
+                <a:schemeClr val="bg1">
+                  <a:lumMod val="85000"/>
+                </a:schemeClr>
+              </a:solidFill>
+              <a:latin typeface="G마켓 산스 TTF Medium" panose="02000000000000000000" pitchFamily="2" charset="-127"/>
+              <a:ea typeface="G마켓 산스 TTF Medium" panose="02000000000000000000" pitchFamily="2" charset="-127"/>
+            </a:endParaRPr>
+          </a:p>
+          <a:p>
+            <a:r>
+              <a:rPr lang="en-US" altLang="ko-KR" sz="1100" dirty="0">
+                <a:solidFill>
+                  <a:schemeClr val="bg1">
+                    <a:lumMod val="85000"/>
+                  </a:schemeClr>
+                </a:solidFill>
+                <a:latin typeface="G마켓 산스 TTF Medium" panose="02000000000000000000" pitchFamily="2" charset="-127"/>
+                <a:ea typeface="G마켓 산스 TTF Medium" panose="02000000000000000000" pitchFamily="2" charset="-127"/>
+              </a:rPr>
+              <a:t>Git   : </a:t>
+            </a:r>
+            <a:r>
+              <a:rPr lang="ko-KR" altLang="en-US" sz="1100" dirty="0">
+                <a:solidFill>
+                  <a:schemeClr val="bg1">
+                    <a:lumMod val="85000"/>
+                  </a:schemeClr>
+                </a:solidFill>
+                <a:latin typeface="G마켓 산스 TTF Medium" panose="02000000000000000000" pitchFamily="2" charset="-127"/>
+                <a:ea typeface="G마켓 산스 TTF Medium" panose="02000000000000000000" pitchFamily="2" charset="-127"/>
+                <a:hlinkClick r:id="rId3">
+                  <a:extLst>
+                    <a:ext uri="{A12FA001-AC4F-418D-AE19-62706E023703}">
+                      <ahyp:hlinkClr xmlns:ahyp="http://schemas.microsoft.com/office/drawing/2018/hyperlinkcolor" val="tx"/>
+                    </a:ext>
+                  </a:extLst>
+                </a:hlinkClick>
+              </a:rPr>
+              <a:t>김유석 </a:t>
+            </a:r>
+            <a:r>
+              <a:rPr lang="en-US" altLang="ko-KR" sz="1100" dirty="0">
+                <a:solidFill>
+                  <a:schemeClr val="bg1">
+                    <a:lumMod val="85000"/>
+                  </a:schemeClr>
+                </a:solidFill>
+                <a:latin typeface="G마켓 산스 TTF Medium" panose="02000000000000000000" pitchFamily="2" charset="-127"/>
+                <a:ea typeface="G마켓 산스 TTF Medium" panose="02000000000000000000" pitchFamily="2" charset="-127"/>
+                <a:hlinkClick r:id="rId3">
+                  <a:extLst>
+                    <a:ext uri="{A12FA001-AC4F-418D-AE19-62706E023703}">
+                      <ahyp:hlinkClr xmlns:ahyp="http://schemas.microsoft.com/office/drawing/2018/hyperlinkcolor" val="tx"/>
+                    </a:ext>
+                  </a:extLst>
+                </a:hlinkClick>
+              </a:rPr>
+              <a:t>GitHub</a:t>
+            </a:r>
+            <a:endParaRPr lang="ko-KR" altLang="en-US" sz="1100" dirty="0">
               <a:solidFill>
                 <a:schemeClr val="bg1">
                   <a:lumMod val="85000"/>
@@ -4538,7 +4741,7 @@
         <p:spPr>
           <a:xfrm>
             <a:off x="609596" y="3375147"/>
-            <a:ext cx="5584192" cy="1331134"/>
+            <a:ext cx="5584192" cy="1799723"/>
           </a:xfrm>
           <a:prstGeom prst="rect">
             <a:avLst/>
@@ -4768,6 +4971,76 @@
               </a:rPr>
               <a:t>AWS EC2 | Jenkins | Nginx Blue &amp; Green | S3</a:t>
             </a:r>
+          </a:p>
+          <a:p>
+            <a:pPr>
+              <a:lnSpc>
+                <a:spcPct val="150000"/>
+              </a:lnSpc>
+            </a:pPr>
+            <a:r>
+              <a:rPr lang="ko-KR" altLang="en-US" sz="1050" kern="1200" dirty="0">
+                <a:solidFill>
+                  <a:srgbClr val="7F7F7F"/>
+                </a:solidFill>
+                <a:effectLst/>
+                <a:latin typeface="G마켓 산스 TTF Bold" panose="02000000000000000000" pitchFamily="2" charset="-127"/>
+                <a:ea typeface="G마켓 산스 TTF Bold" panose="02000000000000000000" pitchFamily="2" charset="-127"/>
+                <a:cs typeface="+mn-cs"/>
+              </a:rPr>
+              <a:t>협업 </a:t>
+            </a:r>
+            <a:r>
+              <a:rPr lang="en-US" altLang="ko-KR" sz="1050" kern="1200" dirty="0">
+                <a:solidFill>
+                  <a:srgbClr val="7F7F7F"/>
+                </a:solidFill>
+                <a:effectLst/>
+                <a:latin typeface="G마켓 산스 TTF Bold" panose="02000000000000000000" pitchFamily="2" charset="-127"/>
+                <a:ea typeface="G마켓 산스 TTF Bold" panose="02000000000000000000" pitchFamily="2" charset="-127"/>
+                <a:cs typeface="+mn-cs"/>
+              </a:rPr>
+              <a:t>Tool : </a:t>
+            </a:r>
+            <a:r>
+              <a:rPr lang="en-US" altLang="ko-KR" sz="1050" dirty="0">
+                <a:solidFill>
+                  <a:schemeClr val="bg1">
+                    <a:lumMod val="50000"/>
+                  </a:schemeClr>
+                </a:solidFill>
+                <a:latin typeface="G마켓 산스 TTF Bold" panose="02000000000000000000" pitchFamily="2" charset="-127"/>
+                <a:ea typeface="G마켓 산스 TTF Bold" panose="02000000000000000000" pitchFamily="2" charset="-127"/>
+              </a:rPr>
+              <a:t> </a:t>
+            </a:r>
+            <a:r>
+              <a:rPr lang="en-US" altLang="ko-KR" sz="1000" dirty="0">
+                <a:solidFill>
+                  <a:schemeClr val="bg1">
+                    <a:lumMod val="65000"/>
+                  </a:schemeClr>
+                </a:solidFill>
+                <a:latin typeface="G마켓 산스 TTF Bold" panose="02000000000000000000" pitchFamily="2" charset="-127"/>
+                <a:ea typeface="G마켓 산스 TTF Bold" panose="02000000000000000000" pitchFamily="2" charset="-127"/>
+              </a:rPr>
+              <a:t>Jira | GitLab | Notion</a:t>
+            </a:r>
+            <a:endParaRPr lang="ko-KR" altLang="ko-KR" sz="1000" dirty="0">
+              <a:solidFill>
+                <a:schemeClr val="bg1">
+                  <a:lumMod val="65000"/>
+                </a:schemeClr>
+              </a:solidFill>
+              <a:effectLst/>
+            </a:endParaRPr>
+          </a:p>
+          <a:p>
+            <a:pPr>
+              <a:lnSpc>
+                <a:spcPct val="150000"/>
+              </a:lnSpc>
+            </a:pPr>
             <a:endParaRPr lang="ko-KR" altLang="ko-KR" sz="1000" dirty="0">
               <a:solidFill>
                 <a:schemeClr val="bg1">
@@ -4793,7 +5066,7 @@
         </p:nvCxnSpPr>
         <p:spPr>
           <a:xfrm>
-            <a:off x="660398" y="4856033"/>
+            <a:off x="660398" y="4937313"/>
             <a:ext cx="5492750" cy="0"/>
           </a:xfrm>
           <a:prstGeom prst="line">
@@ -4878,7 +5151,7 @@
         </p:nvGrpSpPr>
         <p:grpSpPr>
           <a:xfrm>
-            <a:off x="3505200" y="4505513"/>
+            <a:off x="3505200" y="4586793"/>
             <a:ext cx="3352800" cy="3175447"/>
             <a:chOff x="3505200" y="4856033"/>
             <a:chExt cx="3352800" cy="3412630"/>
@@ -5043,7 +5316,7 @@
         </p:blipFill>
         <p:spPr>
           <a:xfrm>
-            <a:off x="3759201" y="7565212"/>
+            <a:off x="3759201" y="7646492"/>
             <a:ext cx="2966720" cy="1639192"/>
           </a:xfrm>
           <a:prstGeom prst="rect">
@@ -5051,6 +5324,70 @@
           </a:prstGeom>
         </p:spPr>
       </p:pic>
+      <p:sp>
+        <p:nvSpPr>
+          <p:cNvPr id="2" name="TextBox 1">
+            <a:extLst>
+              <a:ext uri="{FF2B5EF4-FFF2-40B4-BE49-F238E27FC236}">
+                <a16:creationId xmlns:a16="http://schemas.microsoft.com/office/drawing/2014/main" id="{5B92A6AB-7F03-FBFF-8131-96D37B548AFF}"/>
+              </a:ext>
+            </a:extLst>
+          </p:cNvPr>
+          <p:cNvSpPr txBox="1"/>
+          <p:nvPr/>
+        </p:nvSpPr>
+        <p:spPr>
+          <a:xfrm>
+            <a:off x="4780274" y="2461069"/>
+            <a:ext cx="2199646" cy="637675"/>
+          </a:xfrm>
+          <a:prstGeom prst="rect">
+            <a:avLst/>
+          </a:prstGeom>
+          <a:noFill/>
+        </p:spPr>
+        <p:txBody>
+          <a:bodyPr wrap="square" rtlCol="0">
+            <a:spAutoFit/>
+          </a:bodyPr>
+          <a:lstStyle/>
+          <a:p>
+            <a:pPr>
+              <a:lnSpc>
+                <a:spcPct val="150000"/>
+              </a:lnSpc>
+            </a:pPr>
+            <a:r>
+              <a:rPr lang="ko-KR" altLang="en-US" sz="1400" dirty="0">
+                <a:latin typeface="G마켓 산스 TTF Bold" panose="02000000000000000000" pitchFamily="2" charset="-127"/>
+                <a:ea typeface="G마켓 산스 TTF Bold" panose="02000000000000000000" pitchFamily="2" charset="-127"/>
+              </a:rPr>
+              <a:t>🖥️기여도</a:t>
+            </a:r>
+            <a:endParaRPr lang="en-US" altLang="ko-KR" sz="1400" dirty="0">
+              <a:latin typeface="G마켓 산스 TTF Bold" panose="02000000000000000000" pitchFamily="2" charset="-127"/>
+              <a:ea typeface="G마켓 산스 TTF Bold" panose="02000000000000000000" pitchFamily="2" charset="-127"/>
+            </a:endParaRPr>
+          </a:p>
+          <a:p>
+            <a:pPr>
+              <a:lnSpc>
+                <a:spcPct val="150000"/>
+              </a:lnSpc>
+            </a:pPr>
+            <a:r>
+              <a:rPr lang="en-US" altLang="ko-KR" sz="1050" dirty="0">
+                <a:solidFill>
+                  <a:srgbClr val="7F7F7F"/>
+                </a:solidFill>
+                <a:latin typeface="G마켓 산스 TTF Bold" panose="02000000000000000000" pitchFamily="2" charset="-127"/>
+                <a:ea typeface="G마켓 산스 TTF Bold" panose="02000000000000000000" pitchFamily="2" charset="-127"/>
+              </a:rPr>
+              <a:t>Back-End(Spring)  80%</a:t>
+            </a:r>
+          </a:p>
+        </p:txBody>
+      </p:sp>
     </p:spTree>
     <p:extLst>
       <p:ext uri="{BB962C8B-B14F-4D97-AF65-F5344CB8AC3E}">
@@ -5721,6 +6058,18 @@
               <a:t>      3) </a:t>
             </a:r>
             <a:r>
+              <a:rPr lang="ko-KR" altLang="en-US" sz="1100" dirty="0" err="1">
+                <a:solidFill>
+                  <a:schemeClr val="bg1">
+                    <a:lumMod val="50000"/>
+                  </a:schemeClr>
+                </a:solidFill>
+                <a:latin typeface="G마켓 산스 TTF Bold" panose="02000000000000000000" pitchFamily="2" charset="-127"/>
+                <a:ea typeface="G마켓 산스 TTF Bold" panose="02000000000000000000" pitchFamily="2" charset="-127"/>
+              </a:rPr>
+              <a:t>선택받지</a:t>
+            </a:r>
+            <a:r>
               <a:rPr lang="ko-KR" altLang="en-US" sz="1100" dirty="0">
                 <a:solidFill>
                   <a:schemeClr val="bg1">
@@ -5730,7 +6079,19 @@
                 <a:latin typeface="G마켓 산스 TTF Bold" panose="02000000000000000000" pitchFamily="2" charset="-127"/>
                 <a:ea typeface="G마켓 산스 TTF Bold" panose="02000000000000000000" pitchFamily="2" charset="-127"/>
               </a:rPr>
-              <a:t>다른 모델 선택시에 </a:t>
+              <a:t> 못한 모델 </a:t>
+            </a:r>
+            <a:r>
+              <a:rPr lang="en-US" altLang="ko-KR" sz="1100" dirty="0" err="1">
+                <a:solidFill>
+                  <a:schemeClr val="bg1">
+                    <a:lumMod val="50000"/>
+                  </a:schemeClr>
+                </a:solidFill>
+                <a:latin typeface="G마켓 산스 TTF Bold" panose="02000000000000000000" pitchFamily="2" charset="-127"/>
+                <a:ea typeface="G마켓 산스 TTF Bold" panose="02000000000000000000" pitchFamily="2" charset="-127"/>
+              </a:rPr>
+              <a:t>api</a:t>
             </a:r>
             <a:r>
               <a:rPr lang="en-US" altLang="ko-KR" sz="1100" dirty="0">
@@ -5742,6 +6103,30 @@
                 <a:latin typeface="G마켓 산스 TTF Bold" panose="02000000000000000000" pitchFamily="2" charset="-127"/>
                 <a:ea typeface="G마켓 산스 TTF Bold" panose="02000000000000000000" pitchFamily="2" charset="-127"/>
               </a:rPr>
+              <a:t> </a:t>
+            </a:r>
+            <a:r>
+              <a:rPr lang="ko-KR" altLang="en-US" sz="1100" dirty="0">
+                <a:solidFill>
+                  <a:schemeClr val="bg1">
+                    <a:lumMod val="50000"/>
+                  </a:schemeClr>
+                </a:solidFill>
+                <a:latin typeface="G마켓 산스 TTF Bold" panose="02000000000000000000" pitchFamily="2" charset="-127"/>
+                <a:ea typeface="G마켓 산스 TTF Bold" panose="02000000000000000000" pitchFamily="2" charset="-127"/>
+              </a:rPr>
+              <a:t>호출 시 </a:t>
+            </a:r>
+            <a:r>
+              <a:rPr lang="en-US" altLang="ko-KR" sz="1100" dirty="0">
+                <a:solidFill>
+                  <a:schemeClr val="bg1">
+                    <a:lumMod val="50000"/>
+                  </a:schemeClr>
+                </a:solidFill>
+                <a:latin typeface="G마켓 산스 TTF Bold" panose="02000000000000000000" pitchFamily="2" charset="-127"/>
+                <a:ea typeface="G마켓 산스 TTF Bold" panose="02000000000000000000" pitchFamily="2" charset="-127"/>
+              </a:rPr>
               <a:t>false </a:t>
             </a:r>
             <a:r>
@@ -5757,18 +6142,6 @@
               <a:t>값만 반환 및 새로운 </a:t>
             </a:r>
             <a:r>
-              <a:rPr lang="en-US" altLang="ko-KR" sz="1100" dirty="0" err="1">
-                <a:solidFill>
-                  <a:schemeClr val="bg1">
-                    <a:lumMod val="50000"/>
-                  </a:schemeClr>
-                </a:solidFill>
-                <a:latin typeface="G마켓 산스 TTF Bold" panose="02000000000000000000" pitchFamily="2" charset="-127"/>
-                <a:ea typeface="G마켓 산스 TTF Bold" panose="02000000000000000000" pitchFamily="2" charset="-127"/>
-              </a:rPr>
-              <a:t>ReqeustID</a:t>
-            </a:r>
-            <a:r>
               <a:rPr lang="en-US" altLang="ko-KR" sz="1100" dirty="0">
                 <a:solidFill>
                   <a:schemeClr val="bg1">
@@ -5778,7 +6151,7 @@
                 <a:latin typeface="G마켓 산스 TTF Bold" panose="02000000000000000000" pitchFamily="2" charset="-127"/>
                 <a:ea typeface="G마켓 산스 TTF Bold" panose="02000000000000000000" pitchFamily="2" charset="-127"/>
               </a:rPr>
-              <a:t> </a:t>
+              <a:t>ID </a:t>
             </a:r>
             <a:r>
               <a:rPr lang="ko-KR" altLang="en-US" sz="1100" dirty="0" err="1">
@@ -6579,7 +6952,7 @@
         <p:spPr>
           <a:xfrm>
             <a:off x="3791361" y="360357"/>
-            <a:ext cx="1947357" cy="388568"/>
+            <a:ext cx="2594197" cy="388568"/>
           </a:xfrm>
           <a:prstGeom prst="rect">
             <a:avLst/>
@@ -6602,7 +6975,14 @@
                 <a:latin typeface="G마켓 산스 TTF Bold" panose="02000000000000000000" pitchFamily="2" charset="-127"/>
                 <a:ea typeface="G마켓 산스 TTF Bold" panose="02000000000000000000" pitchFamily="2" charset="-127"/>
               </a:rPr>
-              <a:t>🚚물류 서비스 시사점</a:t>
+              <a:t>🚚물류 </a:t>
+            </a:r>
+            <a:r>
+              <a:rPr lang="ko-KR" altLang="en-US" sz="1400">
+                <a:latin typeface="G마켓 산스 TTF Bold" panose="02000000000000000000" pitchFamily="2" charset="-127"/>
+                <a:ea typeface="G마켓 산스 TTF Bold" panose="02000000000000000000" pitchFamily="2" charset="-127"/>
+              </a:rPr>
+              <a:t>서비스 도출 점 및 생각</a:t>
             </a:r>
             <a:endParaRPr lang="en-US" altLang="ko-KR" sz="1400" dirty="0">
               <a:latin typeface="G마켓 산스 TTF Bold" panose="02000000000000000000" pitchFamily="2" charset="-127"/>
@@ -6668,7 +7048,7 @@
         </p:nvSpPr>
         <p:spPr>
           <a:xfrm>
-            <a:off x="3688078" y="769858"/>
+            <a:off x="3649978" y="769858"/>
             <a:ext cx="3923669" cy="1340752"/>
           </a:xfrm>
           <a:prstGeom prst="rect">
@@ -6791,11 +7171,37 @@
             </a:r>
           </a:p>
           <a:p>
-            <a:pPr>
-              <a:lnSpc>
-                <a:spcPct val="150000"/>
-              </a:lnSpc>
-            </a:pPr>
+            <a:pPr marL="171450" indent="-171450">
+              <a:lnSpc>
+                <a:spcPct val="150000"/>
+              </a:lnSpc>
+              <a:buFont typeface="Arial" panose="020B0604020202020204" pitchFamily="34" charset="0"/>
+              <a:buChar char="•"/>
+            </a:pPr>
+            <a:r>
+              <a:rPr lang="en-US" altLang="ko-KR" sz="1100" dirty="0">
+                <a:solidFill>
+                  <a:schemeClr val="bg1">
+                    <a:lumMod val="50000"/>
+                  </a:schemeClr>
+                </a:solidFill>
+                <a:latin typeface="G마켓 산스 TTF Bold" panose="02000000000000000000" pitchFamily="2" charset="-127"/>
+                <a:ea typeface="G마켓 산스 TTF Bold" panose="02000000000000000000" pitchFamily="2" charset="-127"/>
+              </a:rPr>
+              <a:t>NoSQL </a:t>
+            </a:r>
+            <a:r>
+              <a:rPr lang="ko-KR" altLang="en-US" sz="1100" dirty="0">
+                <a:solidFill>
+                  <a:schemeClr val="bg1">
+                    <a:lumMod val="50000"/>
+                  </a:schemeClr>
+                </a:solidFill>
+                <a:latin typeface="G마켓 산스 TTF Bold" panose="02000000000000000000" pitchFamily="2" charset="-127"/>
+                <a:ea typeface="G마켓 산스 TTF Bold" panose="02000000000000000000" pitchFamily="2" charset="-127"/>
+              </a:rPr>
+              <a:t>활용하여 대규모 물류 데이터를 처리</a:t>
+            </a:r>
             <a:endParaRPr lang="en-US" altLang="ko-KR" sz="1100" dirty="0">
               <a:solidFill>
                 <a:schemeClr val="bg1">
@@ -6807,13 +7213,23 @@
             </a:endParaRPr>
           </a:p>
           <a:p>
-            <a:pPr marL="171450" indent="-171450">
-              <a:lnSpc>
-                <a:spcPct val="150000"/>
-              </a:lnSpc>
-              <a:buFont typeface="Arial" panose="020B0604020202020204" pitchFamily="34" charset="0"/>
-              <a:buChar char="•"/>
-            </a:pPr>
+            <a:pPr>
+              <a:lnSpc>
+                <a:spcPct val="150000"/>
+              </a:lnSpc>
+            </a:pPr>
+            <a:r>
+              <a:rPr lang="ko-KR" altLang="en-US" sz="1100" dirty="0">
+                <a:solidFill>
+                  <a:schemeClr val="bg1">
+                    <a:lumMod val="50000"/>
+                  </a:schemeClr>
+                </a:solidFill>
+                <a:latin typeface="G마켓 산스 TTF Bold" panose="02000000000000000000" pitchFamily="2" charset="-127"/>
+                <a:ea typeface="G마켓 산스 TTF Bold" panose="02000000000000000000" pitchFamily="2" charset="-127"/>
+              </a:rPr>
+              <a:t> 시에</a:t>
+            </a:r>
             <a:r>
               <a:rPr lang="en-US" altLang="ko-KR" sz="1100" dirty="0">
                 <a:solidFill>
@@ -6824,7 +7240,7 @@
                 <a:latin typeface="G마켓 산스 TTF Bold" panose="02000000000000000000" pitchFamily="2" charset="-127"/>
                 <a:ea typeface="G마켓 산스 TTF Bold" panose="02000000000000000000" pitchFamily="2" charset="-127"/>
               </a:rPr>
-              <a:t>NoSQL </a:t>
+              <a:t> </a:t>
             </a:r>
             <a:r>
               <a:rPr lang="ko-KR" altLang="en-US" sz="1100" dirty="0">
@@ -6836,7 +7252,31 @@
                 <a:latin typeface="G마켓 산스 TTF Bold" panose="02000000000000000000" pitchFamily="2" charset="-127"/>
                 <a:ea typeface="G마켓 산스 TTF Bold" panose="02000000000000000000" pitchFamily="2" charset="-127"/>
               </a:rPr>
-              <a:t>활용하여 대규모 물류 데이터를 처리</a:t>
+              <a:t>속도 처리에 이점</a:t>
+            </a:r>
+            <a:r>
+              <a:rPr lang="en-US" altLang="ko-KR" sz="1100" dirty="0">
+                <a:solidFill>
+                  <a:schemeClr val="bg1">
+                    <a:lumMod val="50000"/>
+                  </a:schemeClr>
+                </a:solidFill>
+                <a:latin typeface="G마켓 산스 TTF Bold" panose="02000000000000000000" pitchFamily="2" charset="-127"/>
+                <a:ea typeface="G마켓 산스 TTF Bold" panose="02000000000000000000" pitchFamily="2" charset="-127"/>
+              </a:rPr>
+              <a:t>, </a:t>
+            </a:r>
+            <a:r>
+              <a:rPr lang="ko-KR" altLang="en-US" sz="1100" dirty="0">
+                <a:solidFill>
+                  <a:schemeClr val="bg1">
+                    <a:lumMod val="50000"/>
+                  </a:schemeClr>
+                </a:solidFill>
+                <a:latin typeface="G마켓 산스 TTF Bold" panose="02000000000000000000" pitchFamily="2" charset="-127"/>
+                <a:ea typeface="G마켓 산스 TTF Bold" panose="02000000000000000000" pitchFamily="2" charset="-127"/>
+              </a:rPr>
+              <a:t>확장에 용이 </a:t>
             </a:r>
             <a:endParaRPr lang="en-US" altLang="ko-KR" sz="1100" dirty="0">
               <a:solidFill>
@@ -6855,6 +7295,18 @@
               </a:lnSpc>
             </a:pPr>
             <a:r>
+              <a:rPr lang="en-US" altLang="ko-KR" sz="1100" dirty="0">
+                <a:solidFill>
+                  <a:schemeClr val="bg1">
+                    <a:lumMod val="50000"/>
+                  </a:schemeClr>
+                </a:solidFill>
+                <a:latin typeface="G마켓 산스 TTF Bold" panose="02000000000000000000" pitchFamily="2" charset="-127"/>
+                <a:ea typeface="G마켓 산스 TTF Bold" panose="02000000000000000000" pitchFamily="2" charset="-127"/>
+              </a:rPr>
+              <a:t>(NoSQL+ SQL </a:t>
+            </a:r>
+            <a:r>
               <a:rPr lang="ko-KR" altLang="en-US" sz="1100" dirty="0">
                 <a:solidFill>
                   <a:schemeClr val="bg1">
@@ -6864,7 +7316,7 @@
                 <a:latin typeface="G마켓 산스 TTF Bold" panose="02000000000000000000" pitchFamily="2" charset="-127"/>
                 <a:ea typeface="G마켓 산스 TTF Bold" panose="02000000000000000000" pitchFamily="2" charset="-127"/>
               </a:rPr>
-              <a:t> 시에</a:t>
+              <a:t>고려</a:t>
             </a:r>
             <a:r>
               <a:rPr lang="en-US" altLang="ko-KR" sz="1100" dirty="0">
@@ -6876,53 +7328,8 @@
                 <a:latin typeface="G마켓 산스 TTF Bold" panose="02000000000000000000" pitchFamily="2" charset="-127"/>
                 <a:ea typeface="G마켓 산스 TTF Bold" panose="02000000000000000000" pitchFamily="2" charset="-127"/>
               </a:rPr>
-              <a:t> </a:t>
-            </a:r>
-            <a:r>
-              <a:rPr lang="ko-KR" altLang="en-US" sz="1100" dirty="0">
-                <a:solidFill>
-                  <a:schemeClr val="bg1">
-                    <a:lumMod val="50000"/>
-                  </a:schemeClr>
-                </a:solidFill>
-                <a:latin typeface="G마켓 산스 TTF Bold" panose="02000000000000000000" pitchFamily="2" charset="-127"/>
-                <a:ea typeface="G마켓 산스 TTF Bold" panose="02000000000000000000" pitchFamily="2" charset="-127"/>
-              </a:rPr>
-              <a:t>속도 처리에 이점</a:t>
-            </a:r>
-            <a:r>
-              <a:rPr lang="en-US" altLang="ko-KR" sz="1100" dirty="0">
-                <a:solidFill>
-                  <a:schemeClr val="bg1">
-                    <a:lumMod val="50000"/>
-                  </a:schemeClr>
-                </a:solidFill>
-                <a:latin typeface="G마켓 산스 TTF Bold" panose="02000000000000000000" pitchFamily="2" charset="-127"/>
-                <a:ea typeface="G마켓 산스 TTF Bold" panose="02000000000000000000" pitchFamily="2" charset="-127"/>
-              </a:rPr>
-              <a:t>, </a:t>
-            </a:r>
-            <a:r>
-              <a:rPr lang="ko-KR" altLang="en-US" sz="1100" dirty="0">
-                <a:solidFill>
-                  <a:schemeClr val="bg1">
-                    <a:lumMod val="50000"/>
-                  </a:schemeClr>
-                </a:solidFill>
-                <a:latin typeface="G마켓 산스 TTF Bold" panose="02000000000000000000" pitchFamily="2" charset="-127"/>
-                <a:ea typeface="G마켓 산스 TTF Bold" panose="02000000000000000000" pitchFamily="2" charset="-127"/>
-              </a:rPr>
-              <a:t>확장에 용이</a:t>
-            </a:r>
-            <a:endParaRPr lang="en-US" altLang="ko-KR" sz="1100" dirty="0">
-              <a:solidFill>
-                <a:schemeClr val="bg1">
-                  <a:lumMod val="50000"/>
-                </a:schemeClr>
-              </a:solidFill>
-              <a:latin typeface="G마켓 산스 TTF Bold" panose="02000000000000000000" pitchFamily="2" charset="-127"/>
-              <a:ea typeface="G마켓 산스 TTF Bold" panose="02000000000000000000" pitchFamily="2" charset="-127"/>
-            </a:endParaRPr>
+              <a:t>)</a:t>
+            </a:r>
           </a:p>
         </p:txBody>
       </p:sp>
@@ -7234,6 +7641,18 @@
           </a:p>
           <a:p>
             <a:r>
+              <a:rPr lang="en-US" altLang="ko-KR" sz="1100" dirty="0">
+                <a:solidFill>
+                  <a:schemeClr val="bg1">
+                    <a:lumMod val="50000"/>
+                  </a:schemeClr>
+                </a:solidFill>
+                <a:latin typeface="G마켓 산스 TTF Bold" panose="02000000000000000000" pitchFamily="2" charset="-127"/>
+                <a:ea typeface="G마켓 산스 TTF Bold" panose="02000000000000000000" pitchFamily="2" charset="-127"/>
+              </a:rPr>
+              <a:t>15</a:t>
+            </a:r>
+            <a:r>
               <a:rPr lang="ko-KR" altLang="en-US" sz="1100" dirty="0">
                 <a:solidFill>
                   <a:schemeClr val="bg1">
@@ -7243,7 +7662,55 @@
                 <a:latin typeface="G마켓 산스 TTF Bold" panose="02000000000000000000" pitchFamily="2" charset="-127"/>
                 <a:ea typeface="G마켓 산스 TTF Bold" panose="02000000000000000000" pitchFamily="2" charset="-127"/>
               </a:rPr>
-              <a:t>최소한의 공간으로 최대한의 효율을 낼 수 있는 프로그램을 고민하고 있습니다</a:t>
+              <a:t>년간 시행착오를 겪으며 개선된 </a:t>
+            </a:r>
+            <a:r>
+              <a:rPr lang="ko-KR" altLang="en-US" sz="1100" dirty="0" err="1">
+                <a:solidFill>
+                  <a:schemeClr val="bg1">
+                    <a:lumMod val="50000"/>
+                  </a:schemeClr>
+                </a:solidFill>
+                <a:latin typeface="G마켓 산스 TTF Bold" panose="02000000000000000000" pitchFamily="2" charset="-127"/>
+                <a:ea typeface="G마켓 산스 TTF Bold" panose="02000000000000000000" pitchFamily="2" charset="-127"/>
+              </a:rPr>
+              <a:t>유니클로</a:t>
+            </a:r>
+            <a:r>
+              <a:rPr lang="ko-KR" altLang="en-US" sz="1100" dirty="0">
+                <a:solidFill>
+                  <a:schemeClr val="bg1">
+                    <a:lumMod val="50000"/>
+                  </a:schemeClr>
+                </a:solidFill>
+                <a:latin typeface="G마켓 산스 TTF Bold" panose="02000000000000000000" pitchFamily="2" charset="-127"/>
+                <a:ea typeface="G마켓 산스 TTF Bold" panose="02000000000000000000" pitchFamily="2" charset="-127"/>
+              </a:rPr>
+              <a:t> </a:t>
+            </a:r>
+            <a:r>
+              <a:rPr lang="en-US" altLang="ko-KR" sz="1100" dirty="0">
+                <a:solidFill>
+                  <a:schemeClr val="bg1">
+                    <a:lumMod val="50000"/>
+                  </a:schemeClr>
+                </a:solidFill>
+                <a:latin typeface="G마켓 산스 TTF Bold" panose="02000000000000000000" pitchFamily="2" charset="-127"/>
+                <a:ea typeface="G마켓 산스 TTF Bold" panose="02000000000000000000" pitchFamily="2" charset="-127"/>
+              </a:rPr>
+              <a:t>WMS</a:t>
+            </a:r>
+            <a:r>
+              <a:rPr lang="ko-KR" altLang="en-US" sz="1100" dirty="0">
+                <a:solidFill>
+                  <a:schemeClr val="bg1">
+                    <a:lumMod val="50000"/>
+                  </a:schemeClr>
+                </a:solidFill>
+                <a:latin typeface="G마켓 산스 TTF Bold" panose="02000000000000000000" pitchFamily="2" charset="-127"/>
+                <a:ea typeface="G마켓 산스 TTF Bold" panose="02000000000000000000" pitchFamily="2" charset="-127"/>
+              </a:rPr>
+              <a:t>의 비즈니스 로직을 이해하고 있습니다</a:t>
             </a:r>
             <a:r>
               <a:rPr lang="en-US" altLang="ko-KR" sz="1100" dirty="0">
@@ -7908,7 +8375,7 @@
                 <a:latin typeface="G마켓 산스 TTF Bold" panose="02000000000000000000" pitchFamily="2" charset="-127"/>
                 <a:ea typeface="G마켓 산스 TTF Bold" panose="02000000000000000000" pitchFamily="2" charset="-127"/>
               </a:rPr>
-              <a:t>, </a:t>
+              <a:t>, RFID </a:t>
             </a:r>
             <a:r>
               <a:rPr lang="ko-KR" altLang="en-US" sz="1000" dirty="0">
@@ -10053,7 +10520,7 @@
         </p:blipFill>
         <p:spPr>
           <a:xfrm>
-            <a:off x="5517216" y="8344036"/>
+            <a:off x="5466416" y="8344036"/>
             <a:ext cx="910473" cy="55984"/>
           </a:xfrm>
           <a:prstGeom prst="rect">
@@ -10083,7 +10550,7 @@
         </p:blipFill>
         <p:spPr>
           <a:xfrm>
-            <a:off x="5513434" y="8344036"/>
+            <a:off x="5462634" y="8344036"/>
             <a:ext cx="794727" cy="57254"/>
           </a:xfrm>
           <a:prstGeom prst="rect">
@@ -10113,7 +10580,7 @@
         </p:blipFill>
         <p:spPr>
           <a:xfrm>
-            <a:off x="5509596" y="8572636"/>
+            <a:off x="5458796" y="8572636"/>
             <a:ext cx="910473" cy="55984"/>
           </a:xfrm>
           <a:prstGeom prst="rect">
@@ -10143,7 +10610,7 @@
         </p:blipFill>
         <p:spPr>
           <a:xfrm>
-            <a:off x="5509597" y="8574408"/>
+            <a:off x="5458797" y="8574408"/>
             <a:ext cx="798564" cy="54212"/>
           </a:xfrm>
           <a:prstGeom prst="rect">
@@ -10173,7 +10640,7 @@
         </p:blipFill>
         <p:spPr>
           <a:xfrm>
-            <a:off x="5505786" y="8808856"/>
+            <a:off x="5454986" y="8808856"/>
             <a:ext cx="910473" cy="55984"/>
           </a:xfrm>
           <a:prstGeom prst="rect">
@@ -10203,7 +10670,7 @@
         </p:blipFill>
         <p:spPr>
           <a:xfrm>
-            <a:off x="5505787" y="8810628"/>
+            <a:off x="5454987" y="8810628"/>
             <a:ext cx="665963" cy="54212"/>
           </a:xfrm>
           <a:prstGeom prst="rect">
@@ -10233,7 +10700,7 @@
         </p:blipFill>
         <p:spPr>
           <a:xfrm>
-            <a:off x="5501976" y="9033646"/>
+            <a:off x="5451176" y="9033646"/>
             <a:ext cx="910473" cy="55984"/>
           </a:xfrm>
           <a:prstGeom prst="rect">
@@ -10263,7 +10730,7 @@
         </p:blipFill>
         <p:spPr>
           <a:xfrm>
-            <a:off x="5501977" y="9034545"/>
+            <a:off x="5451177" y="9034545"/>
             <a:ext cx="806184" cy="54212"/>
           </a:xfrm>
           <a:prstGeom prst="rect">
@@ -10293,7 +10760,7 @@
         </p:blipFill>
         <p:spPr>
           <a:xfrm>
-            <a:off x="5509596" y="9269866"/>
+            <a:off x="5458796" y="9269866"/>
             <a:ext cx="910473" cy="55984"/>
           </a:xfrm>
           <a:prstGeom prst="rect">
@@ -10323,7 +10790,7 @@
         </p:blipFill>
         <p:spPr>
           <a:xfrm>
-            <a:off x="5509597" y="9272407"/>
+            <a:off x="5458797" y="9272407"/>
             <a:ext cx="665963" cy="55984"/>
           </a:xfrm>
           <a:prstGeom prst="rect">
@@ -10345,7 +10812,7 @@
         </p:nvGrpSpPr>
         <p:grpSpPr>
           <a:xfrm>
-            <a:off x="5630614" y="8154338"/>
+            <a:off x="5579814" y="8154338"/>
             <a:ext cx="678180" cy="1397933"/>
             <a:chOff x="3476694" y="8154338"/>
             <a:chExt cx="678180" cy="1397933"/>
@@ -10598,6 +11065,199 @@
           </p:style>
         </p:cxnSp>
       </p:grpSp>
+      <p:sp>
+        <p:nvSpPr>
+          <p:cNvPr id="6" name="TextBox 5">
+            <a:extLst>
+              <a:ext uri="{FF2B5EF4-FFF2-40B4-BE49-F238E27FC236}">
+                <a16:creationId xmlns:a16="http://schemas.microsoft.com/office/drawing/2014/main" id="{45087801-254E-CF63-44A3-1124F9D20E31}"/>
+              </a:ext>
+            </a:extLst>
+          </p:cNvPr>
+          <p:cNvSpPr txBox="1"/>
+          <p:nvPr/>
+        </p:nvSpPr>
+        <p:spPr>
+          <a:xfrm>
+            <a:off x="722483" y="1733674"/>
+            <a:ext cx="3429000" cy="507831"/>
+          </a:xfrm>
+          <a:prstGeom prst="rect">
+            <a:avLst/>
+          </a:prstGeom>
+          <a:noFill/>
+          <a:ln>
+            <a:noFill/>
+          </a:ln>
+        </p:spPr>
+        <p:txBody>
+          <a:bodyPr wrap="square">
+            <a:spAutoFit/>
+          </a:bodyPr>
+          <a:lstStyle/>
+          <a:p>
+            <a:r>
+              <a:rPr lang="ko-KR" altLang="en-US" sz="900" dirty="0">
+                <a:solidFill>
+                  <a:schemeClr val="tx1">
+                    <a:lumMod val="50000"/>
+                    <a:lumOff val="50000"/>
+                  </a:schemeClr>
+                </a:solidFill>
+                <a:latin typeface="G마켓 산스 TTF Medium" panose="02000000000000000000" pitchFamily="2" charset="-127"/>
+                <a:ea typeface="G마켓 산스 TTF Medium" panose="02000000000000000000" pitchFamily="2" charset="-127"/>
+              </a:rPr>
+              <a:t>☎️</a:t>
+            </a:r>
+            <a:r>
+              <a:rPr lang="en-US" altLang="ko-KR" sz="900" dirty="0">
+                <a:solidFill>
+                  <a:schemeClr val="tx1">
+                    <a:lumMod val="50000"/>
+                    <a:lumOff val="50000"/>
+                  </a:schemeClr>
+                </a:solidFill>
+                <a:latin typeface="G마켓 산스 TTF Medium" panose="02000000000000000000" pitchFamily="2" charset="-127"/>
+                <a:ea typeface="G마켓 산스 TTF Medium" panose="02000000000000000000" pitchFamily="2" charset="-127"/>
+              </a:rPr>
+              <a:t>Tel     : 010-3582-8143</a:t>
+            </a:r>
+          </a:p>
+          <a:p>
+            <a:r>
+              <a:rPr lang="ko-KR" altLang="en-US" sz="900" dirty="0">
+                <a:solidFill>
+                  <a:schemeClr val="tx1">
+                    <a:lumMod val="50000"/>
+                    <a:lumOff val="50000"/>
+                  </a:schemeClr>
+                </a:solidFill>
+                <a:latin typeface="G마켓 산스 TTF Medium" panose="02000000000000000000" pitchFamily="2" charset="-127"/>
+                <a:ea typeface="G마켓 산스 TTF Medium" panose="02000000000000000000" pitchFamily="2" charset="-127"/>
+              </a:rPr>
+              <a:t>📧</a:t>
+            </a:r>
+            <a:r>
+              <a:rPr lang="en-US" altLang="ko-KR" sz="900" dirty="0">
+                <a:solidFill>
+                  <a:schemeClr val="tx1">
+                    <a:lumMod val="50000"/>
+                    <a:lumOff val="50000"/>
+                  </a:schemeClr>
+                </a:solidFill>
+                <a:latin typeface="G마켓 산스 TTF Medium" panose="02000000000000000000" pitchFamily="2" charset="-127"/>
+                <a:ea typeface="G마켓 산스 TTF Medium" panose="02000000000000000000" pitchFamily="2" charset="-127"/>
+              </a:rPr>
+              <a:t>Mail : </a:t>
+            </a:r>
+            <a:r>
+              <a:rPr lang="en-US" altLang="ko-KR" sz="900" dirty="0">
+                <a:solidFill>
+                  <a:schemeClr val="tx1">
+                    <a:lumMod val="50000"/>
+                    <a:lumOff val="50000"/>
+                  </a:schemeClr>
+                </a:solidFill>
+                <a:latin typeface="G마켓 산스 TTF Medium" panose="02000000000000000000" pitchFamily="2" charset="-127"/>
+                <a:ea typeface="G마켓 산스 TTF Medium" panose="02000000000000000000" pitchFamily="2" charset="-127"/>
+                <a:hlinkClick r:id="rId7">
+                  <a:extLst>
+                    <a:ext uri="{A12FA001-AC4F-418D-AE19-62706E023703}">
+                      <ahyp:hlinkClr xmlns:ahyp="http://schemas.microsoft.com/office/drawing/2018/hyperlinkcolor" val="tx"/>
+                    </a:ext>
+                  </a:extLst>
+                </a:hlinkClick>
+              </a:rPr>
+              <a:t>kurladbtjr@gmail.com</a:t>
+            </a:r>
+            <a:endParaRPr lang="en-US" altLang="ko-KR" sz="900" dirty="0">
+              <a:solidFill>
+                <a:schemeClr val="tx1">
+                  <a:lumMod val="50000"/>
+                  <a:lumOff val="50000"/>
+                </a:schemeClr>
+              </a:solidFill>
+              <a:latin typeface="G마켓 산스 TTF Medium" panose="02000000000000000000" pitchFamily="2" charset="-127"/>
+              <a:ea typeface="G마켓 산스 TTF Medium" panose="02000000000000000000" pitchFamily="2" charset="-127"/>
+            </a:endParaRPr>
+          </a:p>
+          <a:p>
+            <a:r>
+              <a:rPr lang="ko-KR" altLang="en-US" sz="900" dirty="0">
+                <a:solidFill>
+                  <a:schemeClr val="tx1">
+                    <a:lumMod val="50000"/>
+                    <a:lumOff val="50000"/>
+                  </a:schemeClr>
+                </a:solidFill>
+                <a:latin typeface="G마켓 산스 TTF Medium" panose="02000000000000000000" pitchFamily="2" charset="-127"/>
+                <a:ea typeface="G마켓 산스 TTF Medium" panose="02000000000000000000" pitchFamily="2" charset="-127"/>
+              </a:rPr>
+              <a:t>🖥️</a:t>
+            </a:r>
+            <a:r>
+              <a:rPr lang="en-US" altLang="ko-KR" sz="900" dirty="0">
+                <a:solidFill>
+                  <a:schemeClr val="tx1">
+                    <a:lumMod val="50000"/>
+                    <a:lumOff val="50000"/>
+                  </a:schemeClr>
+                </a:solidFill>
+                <a:latin typeface="G마켓 산스 TTF Medium" panose="02000000000000000000" pitchFamily="2" charset="-127"/>
+                <a:ea typeface="G마켓 산스 TTF Medium" panose="02000000000000000000" pitchFamily="2" charset="-127"/>
+              </a:rPr>
+              <a:t>Git   : </a:t>
+            </a:r>
+            <a:r>
+              <a:rPr lang="ko-KR" altLang="en-US" sz="900" dirty="0">
+                <a:solidFill>
+                  <a:schemeClr val="bg1">
+                    <a:lumMod val="50000"/>
+                  </a:schemeClr>
+                </a:solidFill>
+                <a:latin typeface="G마켓 산스 TTF Medium" panose="02000000000000000000" pitchFamily="2" charset="-127"/>
+                <a:ea typeface="G마켓 산스 TTF Medium" panose="02000000000000000000" pitchFamily="2" charset="-127"/>
+                <a:hlinkClick r:id="rId8">
+                  <a:extLst>
+                    <a:ext uri="{A12FA001-AC4F-418D-AE19-62706E023703}">
+                      <ahyp:hlinkClr xmlns:ahyp="http://schemas.microsoft.com/office/drawing/2018/hyperlinkcolor" val="tx"/>
+                    </a:ext>
+                  </a:extLst>
+                </a:hlinkClick>
+              </a:rPr>
+              <a:t>김유석 </a:t>
+            </a:r>
+            <a:r>
+              <a:rPr lang="en-US" altLang="ko-KR" sz="900" dirty="0">
+                <a:solidFill>
+                  <a:schemeClr val="bg1">
+                    <a:lumMod val="50000"/>
+                  </a:schemeClr>
+                </a:solidFill>
+                <a:latin typeface="G마켓 산스 TTF Medium" panose="02000000000000000000" pitchFamily="2" charset="-127"/>
+                <a:ea typeface="G마켓 산스 TTF Medium" panose="02000000000000000000" pitchFamily="2" charset="-127"/>
+                <a:hlinkClick r:id="rId8">
+                  <a:extLst>
+                    <a:ext uri="{A12FA001-AC4F-418D-AE19-62706E023703}">
+                      <ahyp:hlinkClr xmlns:ahyp="http://schemas.microsoft.com/office/drawing/2018/hyperlinkcolor" val="tx"/>
+                    </a:ext>
+                  </a:extLst>
+                </a:hlinkClick>
+              </a:rPr>
+              <a:t>GitHub</a:t>
+            </a:r>
+            <a:endParaRPr lang="ko-KR" altLang="en-US" sz="900" dirty="0">
+              <a:solidFill>
+                <a:schemeClr val="bg1">
+                  <a:lumMod val="50000"/>
+                </a:schemeClr>
+              </a:solidFill>
+              <a:latin typeface="G마켓 산스 TTF Medium" panose="02000000000000000000" pitchFamily="2" charset="-127"/>
+              <a:ea typeface="G마켓 산스 TTF Medium" panose="02000000000000000000" pitchFamily="2" charset="-127"/>
+            </a:endParaRPr>
+          </a:p>
+        </p:txBody>
+      </p:sp>
     </p:spTree>
     <p:extLst>
       <p:ext uri="{BB962C8B-B14F-4D97-AF65-F5344CB8AC3E}">
@@ -12547,7 +13207,7 @@
     <p:bg>
       <p:bgPr>
         <a:solidFill>
-          <a:srgbClr val="C2B6A0"/>
+          <a:srgbClr val="2274EC"/>
         </a:solidFill>
         <a:effectLst/>
       </p:bgPr>
@@ -12625,7 +13285,7 @@
             <a:r>
               <a:rPr lang="ko-KR" altLang="en-US" sz="4400" b="1" dirty="0">
                 <a:solidFill>
-                  <a:srgbClr val="2274EC"/>
+                  <a:srgbClr val="FFFF00"/>
                 </a:solidFill>
                 <a:latin typeface="G마켓 산스 TTF Bold" panose="02000000000000000000" pitchFamily="2" charset="-127"/>
                 <a:ea typeface="G마켓 산스 TTF Bold" panose="02000000000000000000" pitchFamily="2" charset="-127"/>
@@ -12635,7 +13295,7 @@
             <a:r>
               <a:rPr lang="en-US" altLang="ko-KR" sz="4400" b="1" dirty="0">
                 <a:solidFill>
-                  <a:srgbClr val="2274EC"/>
+                  <a:srgbClr val="FFFF00"/>
                 </a:solidFill>
                 <a:latin typeface="G마켓 산스 TTF Bold" panose="02000000000000000000" pitchFamily="2" charset="-127"/>
                 <a:ea typeface="G마켓 산스 TTF Bold" panose="02000000000000000000" pitchFamily="2" charset="-127"/>
@@ -12647,7 +13307,7 @@
             <a:r>
               <a:rPr lang="en-US" altLang="ko-KR" sz="4400" b="1" dirty="0">
                 <a:solidFill>
-                  <a:srgbClr val="2274EC"/>
+                  <a:srgbClr val="FFFF00"/>
                 </a:solidFill>
                 <a:latin typeface="G마켓 산스 TTF Bold" panose="02000000000000000000" pitchFamily="2" charset="-127"/>
                 <a:ea typeface="G마켓 산스 TTF Bold" panose="02000000000000000000" pitchFamily="2" charset="-127"/>
@@ -12656,7 +13316,7 @@
             </a:r>
             <a:endParaRPr lang="ko-KR" altLang="en-US" sz="4400" b="1" dirty="0">
               <a:solidFill>
-                <a:srgbClr val="2274EC"/>
+                <a:srgbClr val="FFFF00"/>
               </a:solidFill>
               <a:latin typeface="G마켓 산스 TTF Bold" panose="02000000000000000000" pitchFamily="2" charset="-127"/>
               <a:ea typeface="G마켓 산스 TTF Bold" panose="02000000000000000000" pitchFamily="2" charset="-127"/>
@@ -13765,7 +14425,7 @@
         <p:spPr>
           <a:xfrm>
             <a:off x="3576317" y="2217635"/>
-            <a:ext cx="2448561" cy="857927"/>
+            <a:ext cx="944883" cy="857927"/>
           </a:xfrm>
           <a:prstGeom prst="rect">
             <a:avLst/>
@@ -13901,7 +14561,7 @@
         <p:spPr>
           <a:xfrm>
             <a:off x="609596" y="3283707"/>
-            <a:ext cx="5049524" cy="1088760"/>
+            <a:ext cx="5049524" cy="1330172"/>
           </a:xfrm>
           <a:prstGeom prst="rect">
             <a:avLst/>
@@ -14089,6 +14749,61 @@
                 <a:ea typeface="G마켓 산스 TTF Bold" panose="02000000000000000000" pitchFamily="2" charset="-127"/>
               </a:rPr>
               <a:t>AWS EC2 | Jenkins | Nginx Blue &amp; Green </a:t>
+            </a:r>
+          </a:p>
+          <a:p>
+            <a:pPr>
+              <a:lnSpc>
+                <a:spcPct val="150000"/>
+              </a:lnSpc>
+            </a:pPr>
+            <a:r>
+              <a:rPr lang="ko-KR" altLang="en-US" sz="1050" kern="1200" dirty="0">
+                <a:solidFill>
+                  <a:srgbClr val="7F7F7F"/>
+                </a:solidFill>
+                <a:effectLst/>
+                <a:latin typeface="G마켓 산스 TTF Bold" panose="02000000000000000000" pitchFamily="2" charset="-127"/>
+                <a:ea typeface="G마켓 산스 TTF Bold" panose="02000000000000000000" pitchFamily="2" charset="-127"/>
+                <a:cs typeface="+mn-cs"/>
+              </a:rPr>
+              <a:t>협업 </a:t>
+            </a:r>
+            <a:r>
+              <a:rPr lang="en-US" altLang="ko-KR" sz="1050" kern="1200" dirty="0">
+                <a:solidFill>
+                  <a:srgbClr val="7F7F7F"/>
+                </a:solidFill>
+                <a:effectLst/>
+                <a:latin typeface="G마켓 산스 TTF Bold" panose="02000000000000000000" pitchFamily="2" charset="-127"/>
+                <a:ea typeface="G마켓 산스 TTF Bold" panose="02000000000000000000" pitchFamily="2" charset="-127"/>
+                <a:cs typeface="+mn-cs"/>
+              </a:rPr>
+              <a:t>Tool : </a:t>
+            </a:r>
+            <a:r>
+              <a:rPr lang="en-US" altLang="ko-KR" sz="1050" dirty="0">
+                <a:solidFill>
+                  <a:schemeClr val="bg1">
+                    <a:lumMod val="50000"/>
+                  </a:schemeClr>
+                </a:solidFill>
+                <a:latin typeface="G마켓 산스 TTF Bold" panose="02000000000000000000" pitchFamily="2" charset="-127"/>
+                <a:ea typeface="G마켓 산스 TTF Bold" panose="02000000000000000000" pitchFamily="2" charset="-127"/>
+              </a:rPr>
+              <a:t> </a:t>
+            </a:r>
+            <a:r>
+              <a:rPr lang="en-US" altLang="ko-KR" sz="1000" dirty="0">
+                <a:solidFill>
+                  <a:schemeClr val="bg1">
+                    <a:lumMod val="65000"/>
+                  </a:schemeClr>
+                </a:solidFill>
+                <a:latin typeface="G마켓 산스 TTF Bold" panose="02000000000000000000" pitchFamily="2" charset="-127"/>
+                <a:ea typeface="G마켓 산스 TTF Bold" panose="02000000000000000000" pitchFamily="2" charset="-127"/>
+              </a:rPr>
+              <a:t>Jira | GitLab | Notion</a:t>
             </a:r>
             <a:endParaRPr lang="ko-KR" altLang="ko-KR" sz="1000" dirty="0">
               <a:solidFill>
@@ -14393,6 +15108,91 @@
           </p:spPr>
         </p:pic>
       </p:grpSp>
+      <p:sp>
+        <p:nvSpPr>
+          <p:cNvPr id="2" name="TextBox 1">
+            <a:extLst>
+              <a:ext uri="{FF2B5EF4-FFF2-40B4-BE49-F238E27FC236}">
+                <a16:creationId xmlns:a16="http://schemas.microsoft.com/office/drawing/2014/main" id="{DC20EBC8-037C-0F20-21D9-8A15811B36B6}"/>
+              </a:ext>
+            </a:extLst>
+          </p:cNvPr>
+          <p:cNvSpPr txBox="1"/>
+          <p:nvPr/>
+        </p:nvSpPr>
+        <p:spPr>
+          <a:xfrm>
+            <a:off x="4851397" y="2228976"/>
+            <a:ext cx="1681483" cy="880049"/>
+          </a:xfrm>
+          <a:prstGeom prst="rect">
+            <a:avLst/>
+          </a:prstGeom>
+          <a:noFill/>
+        </p:spPr>
+        <p:txBody>
+          <a:bodyPr wrap="square" rtlCol="0">
+            <a:spAutoFit/>
+          </a:bodyPr>
+          <a:lstStyle/>
+          <a:p>
+            <a:pPr>
+              <a:lnSpc>
+                <a:spcPct val="150000"/>
+              </a:lnSpc>
+            </a:pPr>
+            <a:r>
+              <a:rPr lang="ko-KR" altLang="en-US" sz="1400" dirty="0">
+                <a:latin typeface="G마켓 산스 TTF Bold" panose="02000000000000000000" pitchFamily="2" charset="-127"/>
+                <a:ea typeface="G마켓 산스 TTF Bold" panose="02000000000000000000" pitchFamily="2" charset="-127"/>
+              </a:rPr>
+              <a:t>🖥️기여도</a:t>
+            </a:r>
+            <a:endParaRPr lang="en-US" altLang="ko-KR" sz="1400" dirty="0">
+              <a:latin typeface="G마켓 산스 TTF Bold" panose="02000000000000000000" pitchFamily="2" charset="-127"/>
+              <a:ea typeface="G마켓 산스 TTF Bold" panose="02000000000000000000" pitchFamily="2" charset="-127"/>
+            </a:endParaRPr>
+          </a:p>
+          <a:p>
+            <a:pPr>
+              <a:lnSpc>
+                <a:spcPct val="150000"/>
+              </a:lnSpc>
+            </a:pPr>
+            <a:r>
+              <a:rPr lang="en-US" altLang="ko-KR" sz="1050" dirty="0">
+                <a:solidFill>
+                  <a:srgbClr val="7F7F7F"/>
+                </a:solidFill>
+                <a:latin typeface="G마켓 산스 TTF Bold" panose="02000000000000000000" pitchFamily="2" charset="-127"/>
+                <a:ea typeface="G마켓 산스 TTF Bold" panose="02000000000000000000" pitchFamily="2" charset="-127"/>
+              </a:rPr>
+              <a:t>Back-End  25%</a:t>
+            </a:r>
+          </a:p>
+          <a:p>
+            <a:pPr>
+              <a:lnSpc>
+                <a:spcPct val="150000"/>
+              </a:lnSpc>
+            </a:pPr>
+            <a:r>
+              <a:rPr lang="en-US" altLang="ko-KR" sz="1050" dirty="0">
+                <a:solidFill>
+                  <a:srgbClr val="7F7F7F"/>
+                </a:solidFill>
+                <a:latin typeface="G마켓 산스 TTF Bold" panose="02000000000000000000" pitchFamily="2" charset="-127"/>
+                <a:ea typeface="G마켓 산스 TTF Bold" panose="02000000000000000000" pitchFamily="2" charset="-127"/>
+              </a:rPr>
+              <a:t>Front-End 20%</a:t>
+            </a:r>
+            <a:endParaRPr lang="en-US" altLang="ko-KR" sz="1050" dirty="0">
+              <a:latin typeface="G마켓 산스 TTF Bold" panose="02000000000000000000" pitchFamily="2" charset="-127"/>
+              <a:ea typeface="G마켓 산스 TTF Bold" panose="02000000000000000000" pitchFamily="2" charset="-127"/>
+            </a:endParaRPr>
+          </a:p>
+        </p:txBody>
+      </p:sp>
     </p:spTree>
     <p:extLst>
       <p:ext uri="{BB962C8B-B14F-4D97-AF65-F5344CB8AC3E}">
@@ -15507,31 +16307,7 @@
                 <a:latin typeface="G마켓 산스 TTF Bold" panose="02000000000000000000" pitchFamily="2" charset="-127"/>
                 <a:ea typeface="G마켓 산스 TTF Bold" panose="02000000000000000000" pitchFamily="2" charset="-127"/>
               </a:rPr>
-              <a:t>분 </a:t>
-            </a:r>
-            <a:r>
-              <a:rPr lang="en-US" altLang="ko-KR" sz="1100" u="sng" dirty="0">
-                <a:solidFill>
-                  <a:schemeClr val="bg1">
-                    <a:lumMod val="50000"/>
-                  </a:schemeClr>
-                </a:solidFill>
-                <a:latin typeface="G마켓 산스 TTF Bold" panose="02000000000000000000" pitchFamily="2" charset="-127"/>
-                <a:ea typeface="G마켓 산스 TTF Bold" panose="02000000000000000000" pitchFamily="2" charset="-127"/>
-              </a:rPr>
-              <a:t>30</a:t>
-            </a:r>
-            <a:r>
-              <a:rPr lang="ko-KR" altLang="en-US" sz="1100" u="sng" dirty="0">
-                <a:solidFill>
-                  <a:schemeClr val="bg1">
-                    <a:lumMod val="50000"/>
-                  </a:schemeClr>
-                </a:solidFill>
-                <a:latin typeface="G마켓 산스 TTF Bold" panose="02000000000000000000" pitchFamily="2" charset="-127"/>
-                <a:ea typeface="G마켓 산스 TTF Bold" panose="02000000000000000000" pitchFamily="2" charset="-127"/>
-              </a:rPr>
-              <a:t>초</a:t>
+              <a:t>분</a:t>
             </a:r>
             <a:endParaRPr lang="en-US" altLang="ko-KR" sz="1100" u="sng" dirty="0">
               <a:solidFill>
@@ -15659,7 +16435,7 @@
         <p:spPr>
           <a:xfrm>
             <a:off x="841371" y="828496"/>
-            <a:ext cx="5049524" cy="1594667"/>
+            <a:ext cx="2587629" cy="1594667"/>
           </a:xfrm>
           <a:prstGeom prst="rect">
             <a:avLst/>
@@ -16112,14 +16888,7 @@
                 <a:latin typeface="G마켓 산스 TTF Bold" panose="02000000000000000000" pitchFamily="2" charset="-127"/>
                 <a:ea typeface="G마켓 산스 TTF Bold" panose="02000000000000000000" pitchFamily="2" charset="-127"/>
               </a:rPr>
-              <a:t>🚚물류 </a:t>
-            </a:r>
-            <a:r>
-              <a:rPr lang="ko-KR" altLang="en-US" sz="1400">
-                <a:latin typeface="G마켓 산스 TTF Bold" panose="02000000000000000000" pitchFamily="2" charset="-127"/>
-                <a:ea typeface="G마켓 산스 TTF Bold" panose="02000000000000000000" pitchFamily="2" charset="-127"/>
-              </a:rPr>
-              <a:t>서비스 시사점 및 생각</a:t>
+              <a:t>🚚물류 서비스 도출 점 및 생각</a:t>
             </a:r>
             <a:endParaRPr lang="en-US" altLang="ko-KR" sz="1400" dirty="0">
               <a:latin typeface="G마켓 산스 TTF Bold" panose="02000000000000000000" pitchFamily="2" charset="-127"/>
@@ -16144,7 +16913,7 @@
         </p:nvCxnSpPr>
         <p:spPr>
           <a:xfrm>
-            <a:off x="3688078" y="867589"/>
+            <a:off x="3688078" y="913309"/>
             <a:ext cx="0" cy="504011"/>
           </a:xfrm>
           <a:prstGeom prst="line">
@@ -16185,7 +16954,7 @@
         </p:nvSpPr>
         <p:spPr>
           <a:xfrm>
-            <a:off x="3688078" y="769858"/>
+            <a:off x="3695698" y="769858"/>
             <a:ext cx="3923669" cy="1340752"/>
           </a:xfrm>
           <a:prstGeom prst="rect">
@@ -16216,7 +16985,7 @@
                 <a:latin typeface="G마켓 산스 TTF Bold" panose="02000000000000000000" pitchFamily="2" charset="-127"/>
                 <a:ea typeface="G마켓 산스 TTF Bold" panose="02000000000000000000" pitchFamily="2" charset="-127"/>
               </a:rPr>
-              <a:t>창고의 사용량을 화면에 표시하여 비생산적인</a:t>
+              <a:t>창고 도면을 시각화 하기 위해서 </a:t>
             </a:r>
             <a:endParaRPr lang="en-US" altLang="ko-KR" sz="1100" dirty="0">
               <a:solidFill>
@@ -16244,7 +17013,7 @@
                 <a:latin typeface="G마켓 산스 TTF Bold" panose="02000000000000000000" pitchFamily="2" charset="-127"/>
                 <a:ea typeface="G마켓 산스 TTF Bold" panose="02000000000000000000" pitchFamily="2" charset="-127"/>
               </a:rPr>
-              <a:t>     </a:t>
+              <a:t>X Y </a:t>
             </a:r>
             <a:r>
               <a:rPr lang="ko-KR" altLang="en-US" sz="1100" dirty="0">
@@ -16256,7 +17025,127 @@
                 <a:latin typeface="G마켓 산스 TTF Bold" panose="02000000000000000000" pitchFamily="2" charset="-127"/>
                 <a:ea typeface="G마켓 산스 TTF Bold" panose="02000000000000000000" pitchFamily="2" charset="-127"/>
               </a:rPr>
-              <a:t>공간 추적 및 관리</a:t>
+              <a:t>축</a:t>
+            </a:r>
+            <a:r>
+              <a:rPr lang="en-US" altLang="ko-KR" sz="1100" dirty="0">
+                <a:solidFill>
+                  <a:schemeClr val="bg1">
+                    <a:lumMod val="50000"/>
+                  </a:schemeClr>
+                </a:solidFill>
+                <a:latin typeface="G마켓 산스 TTF Bold" panose="02000000000000000000" pitchFamily="2" charset="-127"/>
+                <a:ea typeface="G마켓 산스 TTF Bold" panose="02000000000000000000" pitchFamily="2" charset="-127"/>
+              </a:rPr>
+              <a:t>(</a:t>
+            </a:r>
+            <a:r>
+              <a:rPr lang="ko-KR" altLang="en-US" sz="1100" dirty="0">
+                <a:solidFill>
+                  <a:schemeClr val="bg1">
+                    <a:lumMod val="50000"/>
+                  </a:schemeClr>
+                </a:solidFill>
+                <a:latin typeface="G마켓 산스 TTF Bold" panose="02000000000000000000" pitchFamily="2" charset="-127"/>
+                <a:ea typeface="G마켓 산스 TTF Bold" panose="02000000000000000000" pitchFamily="2" charset="-127"/>
+              </a:rPr>
+              <a:t>행과 열</a:t>
+            </a:r>
+            <a:r>
+              <a:rPr lang="en-US" altLang="ko-KR" sz="1100" dirty="0">
+                <a:solidFill>
+                  <a:schemeClr val="bg1">
+                    <a:lumMod val="50000"/>
+                  </a:schemeClr>
+                </a:solidFill>
+                <a:latin typeface="G마켓 산스 TTF Bold" panose="02000000000000000000" pitchFamily="2" charset="-127"/>
+                <a:ea typeface="G마켓 산스 TTF Bold" panose="02000000000000000000" pitchFamily="2" charset="-127"/>
+              </a:rPr>
+              <a:t>)</a:t>
+            </a:r>
+            <a:r>
+              <a:rPr lang="ko-KR" altLang="en-US" sz="1100" dirty="0">
+                <a:solidFill>
+                  <a:schemeClr val="bg1">
+                    <a:lumMod val="50000"/>
+                  </a:schemeClr>
+                </a:solidFill>
+                <a:latin typeface="G마켓 산스 TTF Bold" panose="02000000000000000000" pitchFamily="2" charset="-127"/>
+                <a:ea typeface="G마켓 산스 TTF Bold" panose="02000000000000000000" pitchFamily="2" charset="-127"/>
+              </a:rPr>
+              <a:t>과</a:t>
+            </a:r>
+            <a:r>
+              <a:rPr lang="en-US" altLang="ko-KR" sz="1100" dirty="0">
+                <a:solidFill>
+                  <a:schemeClr val="bg1">
+                    <a:lumMod val="50000"/>
+                  </a:schemeClr>
+                </a:solidFill>
+                <a:latin typeface="G마켓 산스 TTF Bold" panose="02000000000000000000" pitchFamily="2" charset="-127"/>
+                <a:ea typeface="G마켓 산스 TTF Bold" panose="02000000000000000000" pitchFamily="2" charset="-127"/>
+              </a:rPr>
+              <a:t> Z</a:t>
+            </a:r>
+            <a:r>
+              <a:rPr lang="ko-KR" altLang="en-US" sz="1100" dirty="0">
+                <a:solidFill>
+                  <a:schemeClr val="bg1">
+                    <a:lumMod val="50000"/>
+                  </a:schemeClr>
+                </a:solidFill>
+                <a:latin typeface="G마켓 산스 TTF Bold" panose="02000000000000000000" pitchFamily="2" charset="-127"/>
+                <a:ea typeface="G마켓 산스 TTF Bold" panose="02000000000000000000" pitchFamily="2" charset="-127"/>
+              </a:rPr>
+              <a:t>축</a:t>
+            </a:r>
+            <a:r>
+              <a:rPr lang="en-US" altLang="ko-KR" sz="1100" dirty="0">
+                <a:solidFill>
+                  <a:schemeClr val="bg1">
+                    <a:lumMod val="50000"/>
+                  </a:schemeClr>
+                </a:solidFill>
+                <a:latin typeface="G마켓 산스 TTF Bold" panose="02000000000000000000" pitchFamily="2" charset="-127"/>
+                <a:ea typeface="G마켓 산스 TTF Bold" panose="02000000000000000000" pitchFamily="2" charset="-127"/>
+              </a:rPr>
+              <a:t>(</a:t>
+            </a:r>
+            <a:r>
+              <a:rPr lang="ko-KR" altLang="en-US" sz="1100" dirty="0">
+                <a:solidFill>
+                  <a:schemeClr val="bg1">
+                    <a:lumMod val="50000"/>
+                  </a:schemeClr>
+                </a:solidFill>
+                <a:latin typeface="G마켓 산스 TTF Bold" panose="02000000000000000000" pitchFamily="2" charset="-127"/>
+                <a:ea typeface="G마켓 산스 TTF Bold" panose="02000000000000000000" pitchFamily="2" charset="-127"/>
+              </a:rPr>
+              <a:t>상품 적치 높이</a:t>
+            </a:r>
+            <a:r>
+              <a:rPr lang="en-US" altLang="ko-KR" sz="1100" dirty="0">
+                <a:solidFill>
+                  <a:schemeClr val="bg1">
+                    <a:lumMod val="50000"/>
+                  </a:schemeClr>
+                </a:solidFill>
+                <a:latin typeface="G마켓 산스 TTF Bold" panose="02000000000000000000" pitchFamily="2" charset="-127"/>
+                <a:ea typeface="G마켓 산스 TTF Bold" panose="02000000000000000000" pitchFamily="2" charset="-127"/>
+              </a:rPr>
+              <a:t>)</a:t>
+            </a:r>
+            <a:r>
+              <a:rPr lang="ko-KR" altLang="en-US" sz="1100" dirty="0">
+                <a:solidFill>
+                  <a:schemeClr val="bg1">
+                    <a:lumMod val="50000"/>
+                  </a:schemeClr>
+                </a:solidFill>
+                <a:latin typeface="G마켓 산스 TTF Bold" panose="02000000000000000000" pitchFamily="2" charset="-127"/>
+                <a:ea typeface="G마켓 산스 TTF Bold" panose="02000000000000000000" pitchFamily="2" charset="-127"/>
+              </a:rPr>
+              <a:t>을 분리</a:t>
             </a:r>
             <a:endParaRPr lang="en-US" altLang="ko-KR" sz="1100" dirty="0">
               <a:solidFill>
@@ -16274,6 +17163,66 @@
                 <a:spcPct val="150000"/>
               </a:lnSpc>
             </a:pPr>
+            <a:r>
+              <a:rPr lang="ko-KR" altLang="en-US" sz="1100" dirty="0">
+                <a:solidFill>
+                  <a:schemeClr val="bg1">
+                    <a:lumMod val="50000"/>
+                  </a:schemeClr>
+                </a:solidFill>
+                <a:latin typeface="G마켓 산스 TTF Bold" panose="02000000000000000000" pitchFamily="2" charset="-127"/>
+                <a:ea typeface="G마켓 산스 TTF Bold" panose="02000000000000000000" pitchFamily="2" charset="-127"/>
+              </a:rPr>
+              <a:t>하여 </a:t>
+            </a:r>
+            <a:r>
+              <a:rPr lang="en-US" altLang="ko-KR" sz="1100" dirty="0">
+                <a:solidFill>
+                  <a:schemeClr val="bg1">
+                    <a:lumMod val="50000"/>
+                  </a:schemeClr>
+                </a:solidFill>
+                <a:latin typeface="G마켓 산스 TTF Bold" panose="02000000000000000000" pitchFamily="2" charset="-127"/>
+                <a:ea typeface="G마켓 산스 TTF Bold" panose="02000000000000000000" pitchFamily="2" charset="-127"/>
+              </a:rPr>
+              <a:t>DB </a:t>
+            </a:r>
+            <a:r>
+              <a:rPr lang="ko-KR" altLang="en-US" sz="1100" dirty="0">
+                <a:solidFill>
+                  <a:schemeClr val="bg1">
+                    <a:lumMod val="50000"/>
+                  </a:schemeClr>
+                </a:solidFill>
+                <a:latin typeface="G마켓 산스 TTF Bold" panose="02000000000000000000" pitchFamily="2" charset="-127"/>
+                <a:ea typeface="G마켓 산스 TTF Bold" panose="02000000000000000000" pitchFamily="2" charset="-127"/>
+              </a:rPr>
+              <a:t>설계하였지만 </a:t>
+            </a:r>
+            <a:r>
+              <a:rPr lang="en-US" altLang="ko-KR" sz="1100" dirty="0">
+                <a:solidFill>
+                  <a:schemeClr val="bg1">
+                    <a:lumMod val="50000"/>
+                  </a:schemeClr>
+                </a:solidFill>
+                <a:latin typeface="G마켓 산스 TTF Bold" panose="02000000000000000000" pitchFamily="2" charset="-127"/>
+                <a:ea typeface="G마켓 산스 TTF Bold" panose="02000000000000000000" pitchFamily="2" charset="-127"/>
+              </a:rPr>
+              <a:t>Depth</a:t>
+            </a:r>
+            <a:r>
+              <a:rPr lang="ko-KR" altLang="en-US" sz="1100" dirty="0">
+                <a:solidFill>
+                  <a:schemeClr val="bg1">
+                    <a:lumMod val="50000"/>
+                  </a:schemeClr>
+                </a:solidFill>
+                <a:latin typeface="G마켓 산스 TTF Bold" panose="02000000000000000000" pitchFamily="2" charset="-127"/>
+                <a:ea typeface="G마켓 산스 TTF Bold" panose="02000000000000000000" pitchFamily="2" charset="-127"/>
+              </a:rPr>
+              <a:t>가 깊어져 성능 저하</a:t>
+            </a:r>
             <a:endParaRPr lang="en-US" altLang="ko-KR" sz="1100" dirty="0">
               <a:solidFill>
                 <a:schemeClr val="bg1">
@@ -16342,7 +17291,7 @@
                 <a:latin typeface="G마켓 산스 TTF Bold" panose="02000000000000000000" pitchFamily="2" charset="-127"/>
                 <a:ea typeface="G마켓 산스 TTF Bold" panose="02000000000000000000" pitchFamily="2" charset="-127"/>
               </a:rPr>
-              <a:t>    Indexing </a:t>
+              <a:t>Indexing </a:t>
             </a:r>
             <a:r>
               <a:rPr lang="ko-KR" altLang="en-US" sz="1100" dirty="0">
@@ -17960,7 +18909,7 @@
         <p:spPr>
           <a:xfrm>
             <a:off x="609596" y="3283707"/>
-            <a:ext cx="5584192" cy="1792798"/>
+            <a:ext cx="5584192" cy="2233304"/>
           </a:xfrm>
           <a:prstGeom prst="rect">
             <a:avLst/>
@@ -18289,7 +19238,89 @@
                 <a:latin typeface="G마켓 산스 TTF Bold" panose="02000000000000000000" pitchFamily="2" charset="-127"/>
                 <a:ea typeface="G마켓 산스 TTF Bold" panose="02000000000000000000" pitchFamily="2" charset="-127"/>
               </a:rPr>
-              <a:t>AWS EC2 | Jenkins | Nginx Blue &amp; Green </a:t>
+              <a:t>AWS EC2 | Jenkins | Nginx Blue &amp; Green</a:t>
+            </a:r>
+          </a:p>
+          <a:p>
+            <a:pPr>
+              <a:lnSpc>
+                <a:spcPct val="150000"/>
+              </a:lnSpc>
+            </a:pPr>
+            <a:r>
+              <a:rPr lang="ko-KR" altLang="en-US" sz="1000" kern="1200" dirty="0">
+                <a:solidFill>
+                  <a:srgbClr val="7F7F7F"/>
+                </a:solidFill>
+                <a:effectLst/>
+                <a:latin typeface="G마켓 산스 TTF Bold" panose="02000000000000000000" pitchFamily="2" charset="-127"/>
+                <a:ea typeface="G마켓 산스 TTF Bold" panose="02000000000000000000" pitchFamily="2" charset="-127"/>
+                <a:cs typeface="+mn-cs"/>
+              </a:rPr>
+              <a:t>협업 </a:t>
+            </a:r>
+            <a:r>
+              <a:rPr lang="en-US" altLang="ko-KR" sz="1000" kern="1200" dirty="0">
+                <a:solidFill>
+                  <a:srgbClr val="7F7F7F"/>
+                </a:solidFill>
+                <a:effectLst/>
+                <a:latin typeface="G마켓 산스 TTF Bold" panose="02000000000000000000" pitchFamily="2" charset="-127"/>
+                <a:ea typeface="G마켓 산스 TTF Bold" panose="02000000000000000000" pitchFamily="2" charset="-127"/>
+                <a:cs typeface="+mn-cs"/>
+              </a:rPr>
+              <a:t>Tool : </a:t>
+            </a:r>
+            <a:r>
+              <a:rPr lang="en-US" altLang="ko-KR" sz="1000" dirty="0">
+                <a:solidFill>
+                  <a:schemeClr val="bg1">
+                    <a:lumMod val="50000"/>
+                  </a:schemeClr>
+                </a:solidFill>
+                <a:latin typeface="G마켓 산스 TTF Bold" panose="02000000000000000000" pitchFamily="2" charset="-127"/>
+                <a:ea typeface="G마켓 산스 TTF Bold" panose="02000000000000000000" pitchFamily="2" charset="-127"/>
+              </a:rPr>
+              <a:t> </a:t>
+            </a:r>
+            <a:r>
+              <a:rPr lang="en-US" altLang="ko-KR" sz="900" dirty="0">
+                <a:solidFill>
+                  <a:schemeClr val="bg1">
+                    <a:lumMod val="65000"/>
+                  </a:schemeClr>
+                </a:solidFill>
+                <a:latin typeface="G마켓 산스 TTF Bold" panose="02000000000000000000" pitchFamily="2" charset="-127"/>
+                <a:ea typeface="G마켓 산스 TTF Bold" panose="02000000000000000000" pitchFamily="2" charset="-127"/>
+              </a:rPr>
+              <a:t>Jira | GitLab | Notion</a:t>
+            </a:r>
+            <a:endParaRPr lang="ko-KR" altLang="ko-KR" sz="900" dirty="0">
+              <a:solidFill>
+                <a:schemeClr val="bg1">
+                  <a:lumMod val="65000"/>
+                </a:schemeClr>
+              </a:solidFill>
+              <a:effectLst/>
+            </a:endParaRPr>
+          </a:p>
+          <a:p>
+            <a:pPr>
+              <a:lnSpc>
+                <a:spcPct val="150000"/>
+              </a:lnSpc>
+            </a:pPr>
+            <a:r>
+              <a:rPr lang="en-US" altLang="ko-KR" sz="900" dirty="0">
+                <a:solidFill>
+                  <a:schemeClr val="bg1">
+                    <a:lumMod val="65000"/>
+                  </a:schemeClr>
+                </a:solidFill>
+                <a:latin typeface="G마켓 산스 TTF Bold" panose="02000000000000000000" pitchFamily="2" charset="-127"/>
+                <a:ea typeface="G마켓 산스 TTF Bold" panose="02000000000000000000" pitchFamily="2" charset="-127"/>
+              </a:rPr>
+              <a:t> </a:t>
             </a:r>
             <a:endParaRPr lang="ko-KR" altLang="ko-KR" sz="1000" dirty="0">
               <a:solidFill>
@@ -18316,7 +19347,7 @@
         </p:nvCxnSpPr>
         <p:spPr>
           <a:xfrm>
-            <a:off x="660398" y="5140513"/>
+            <a:off x="660398" y="5262433"/>
             <a:ext cx="5492750" cy="0"/>
           </a:xfrm>
           <a:prstGeom prst="line">
@@ -18401,7 +19432,7 @@
         </p:nvGrpSpPr>
         <p:grpSpPr>
           <a:xfrm>
-            <a:off x="3708401" y="4616768"/>
+            <a:off x="3708401" y="4667568"/>
             <a:ext cx="3135377" cy="2837917"/>
             <a:chOff x="2456838" y="362538"/>
             <a:chExt cx="4144498" cy="4144498"/>
@@ -18505,7 +19536,7 @@
         </p:nvGrpSpPr>
         <p:grpSpPr>
           <a:xfrm>
-            <a:off x="2712115" y="7027741"/>
+            <a:off x="2712115" y="7078541"/>
             <a:ext cx="5052440" cy="2237746"/>
             <a:chOff x="-1617067" y="3499432"/>
             <a:chExt cx="9606259" cy="4117185"/>
@@ -18824,6 +19855,111 @@
           </p:pic>
         </p:grpSp>
       </p:grpSp>
+      <p:sp>
+        <p:nvSpPr>
+          <p:cNvPr id="19" name="TextBox 18">
+            <a:extLst>
+              <a:ext uri="{FF2B5EF4-FFF2-40B4-BE49-F238E27FC236}">
+                <a16:creationId xmlns:a16="http://schemas.microsoft.com/office/drawing/2014/main" id="{495D2228-A831-5B91-0D9B-7B012DAB701C}"/>
+              </a:ext>
+            </a:extLst>
+          </p:cNvPr>
+          <p:cNvSpPr txBox="1"/>
+          <p:nvPr/>
+        </p:nvSpPr>
+        <p:spPr>
+          <a:xfrm>
+            <a:off x="4780274" y="2461069"/>
+            <a:ext cx="2199646" cy="880049"/>
+          </a:xfrm>
+          <a:prstGeom prst="rect">
+            <a:avLst/>
+          </a:prstGeom>
+          <a:noFill/>
+        </p:spPr>
+        <p:txBody>
+          <a:bodyPr wrap="square" rtlCol="0">
+            <a:spAutoFit/>
+          </a:bodyPr>
+          <a:lstStyle/>
+          <a:p>
+            <a:pPr>
+              <a:lnSpc>
+                <a:spcPct val="150000"/>
+              </a:lnSpc>
+            </a:pPr>
+            <a:r>
+              <a:rPr lang="ko-KR" altLang="en-US" sz="1400" dirty="0">
+                <a:latin typeface="G마켓 산스 TTF Bold" panose="02000000000000000000" pitchFamily="2" charset="-127"/>
+                <a:ea typeface="G마켓 산스 TTF Bold" panose="02000000000000000000" pitchFamily="2" charset="-127"/>
+              </a:rPr>
+              <a:t>🖥️기여도</a:t>
+            </a:r>
+            <a:endParaRPr lang="en-US" altLang="ko-KR" sz="1400" dirty="0">
+              <a:latin typeface="G마켓 산스 TTF Bold" panose="02000000000000000000" pitchFamily="2" charset="-127"/>
+              <a:ea typeface="G마켓 산스 TTF Bold" panose="02000000000000000000" pitchFamily="2" charset="-127"/>
+            </a:endParaRPr>
+          </a:p>
+          <a:p>
+            <a:pPr>
+              <a:lnSpc>
+                <a:spcPct val="150000"/>
+              </a:lnSpc>
+            </a:pPr>
+            <a:r>
+              <a:rPr lang="en-US" altLang="ko-KR" sz="1050" dirty="0">
+                <a:solidFill>
+                  <a:srgbClr val="7F7F7F"/>
+                </a:solidFill>
+                <a:latin typeface="G마켓 산스 TTF Bold" panose="02000000000000000000" pitchFamily="2" charset="-127"/>
+                <a:ea typeface="G마켓 산스 TTF Bold" panose="02000000000000000000" pitchFamily="2" charset="-127"/>
+              </a:rPr>
+              <a:t>Back-End  20%</a:t>
+            </a:r>
+          </a:p>
+          <a:p>
+            <a:pPr>
+              <a:lnSpc>
+                <a:spcPct val="150000"/>
+              </a:lnSpc>
+            </a:pPr>
+            <a:r>
+              <a:rPr lang="en-US" altLang="ko-KR" sz="1050" dirty="0">
+                <a:solidFill>
+                  <a:srgbClr val="7F7F7F"/>
+                </a:solidFill>
+                <a:latin typeface="G마켓 산스 TTF Bold" panose="02000000000000000000" pitchFamily="2" charset="-127"/>
+                <a:ea typeface="G마켓 산스 TTF Bold" panose="02000000000000000000" pitchFamily="2" charset="-127"/>
+              </a:rPr>
+              <a:t>Front-End(</a:t>
+            </a:r>
+            <a:r>
+              <a:rPr lang="en-US" altLang="ko-KR" sz="1050" dirty="0" err="1">
+                <a:solidFill>
+                  <a:srgbClr val="7F7F7F"/>
+                </a:solidFill>
+                <a:latin typeface="G마켓 산스 TTF Bold" panose="02000000000000000000" pitchFamily="2" charset="-127"/>
+                <a:ea typeface="G마켓 산스 TTF Bold" panose="02000000000000000000" pitchFamily="2" charset="-127"/>
+              </a:rPr>
+              <a:t>Kisok</a:t>
+            </a:r>
+            <a:r>
+              <a:rPr lang="en-US" altLang="ko-KR" sz="1050" dirty="0">
+                <a:solidFill>
+                  <a:srgbClr val="7F7F7F"/>
+                </a:solidFill>
+                <a:latin typeface="G마켓 산스 TTF Bold" panose="02000000000000000000" pitchFamily="2" charset="-127"/>
+                <a:ea typeface="G마켓 산스 TTF Bold" panose="02000000000000000000" pitchFamily="2" charset="-127"/>
+              </a:rPr>
+              <a:t>) 100%</a:t>
+            </a:r>
+            <a:endParaRPr lang="en-US" altLang="ko-KR" sz="1050" dirty="0">
+              <a:latin typeface="G마켓 산스 TTF Bold" panose="02000000000000000000" pitchFamily="2" charset="-127"/>
+              <a:ea typeface="G마켓 산스 TTF Bold" panose="02000000000000000000" pitchFamily="2" charset="-127"/>
+            </a:endParaRPr>
+          </a:p>
+        </p:txBody>
+      </p:sp>
     </p:spTree>
     <p:extLst>
       <p:ext uri="{BB962C8B-B14F-4D97-AF65-F5344CB8AC3E}">
@@ -20661,14 +21797,7 @@
                 <a:latin typeface="G마켓 산스 TTF Bold" panose="02000000000000000000" pitchFamily="2" charset="-127"/>
                 <a:ea typeface="G마켓 산스 TTF Bold" panose="02000000000000000000" pitchFamily="2" charset="-127"/>
               </a:rPr>
-              <a:t>🚚물류 </a:t>
-            </a:r>
-            <a:r>
-              <a:rPr lang="ko-KR" altLang="en-US" sz="1400">
-                <a:latin typeface="G마켓 산스 TTF Bold" panose="02000000000000000000" pitchFamily="2" charset="-127"/>
-                <a:ea typeface="G마켓 산스 TTF Bold" panose="02000000000000000000" pitchFamily="2" charset="-127"/>
-              </a:rPr>
-              <a:t>서비스 시사점 및 생각</a:t>
+              <a:t>🚚물류 서비스 도출 점 및 생각</a:t>
             </a:r>
             <a:endParaRPr lang="en-US" altLang="ko-KR" sz="1400" dirty="0">
               <a:latin typeface="G마켓 산스 TTF Bold" panose="02000000000000000000" pitchFamily="2" charset="-127"/>
@@ -20693,7 +21822,7 @@
         </p:nvCxnSpPr>
         <p:spPr>
           <a:xfrm>
-            <a:off x="4077522" y="828496"/>
+            <a:off x="4077522" y="881836"/>
             <a:ext cx="0" cy="504011"/>
           </a:xfrm>
           <a:prstGeom prst="line">
@@ -20734,7 +21863,7 @@
         </p:nvSpPr>
         <p:spPr>
           <a:xfrm>
-            <a:off x="4063998" y="714860"/>
+            <a:off x="4074792" y="822302"/>
             <a:ext cx="2794002" cy="1340752"/>
           </a:xfrm>
           <a:prstGeom prst="rect">
@@ -20778,22 +21907,6 @@
             </a:endParaRPr>
           </a:p>
           <a:p>
-            <a:pPr>
-              <a:lnSpc>
-                <a:spcPct val="150000"/>
-              </a:lnSpc>
-            </a:pPr>
-            <a:endParaRPr lang="en-US" altLang="ko-KR" sz="1100" dirty="0">
-              <a:solidFill>
-                <a:schemeClr val="bg1">
-                  <a:lumMod val="50000"/>
-                </a:schemeClr>
-              </a:solidFill>
-              <a:latin typeface="G마켓 산스 TTF Bold" panose="02000000000000000000" pitchFamily="2" charset="-127"/>
-              <a:ea typeface="G마켓 산스 TTF Bold" panose="02000000000000000000" pitchFamily="2" charset="-127"/>
-            </a:endParaRPr>
-          </a:p>
-          <a:p>
             <a:pPr marL="171450" indent="-171450">
               <a:lnSpc>
                 <a:spcPct val="150000"/>
@@ -20811,7 +21924,7 @@
                 <a:latin typeface="G마켓 산스 TTF Bold" panose="02000000000000000000" pitchFamily="2" charset="-127"/>
                 <a:ea typeface="G마켓 산스 TTF Bold" panose="02000000000000000000" pitchFamily="2" charset="-127"/>
               </a:rPr>
-              <a:t>현장 </a:t>
+              <a:t>현장 배포 방법으로 이번 프로젝트에서는 </a:t>
             </a:r>
             <a:r>
               <a:rPr lang="en-US" altLang="ko-KR" sz="1100" dirty="0">
@@ -20823,7 +21936,7 @@
                 <a:latin typeface="G마켓 산스 TTF Bold" panose="02000000000000000000" pitchFamily="2" charset="-127"/>
                 <a:ea typeface="G마켓 산스 TTF Bold" panose="02000000000000000000" pitchFamily="2" charset="-127"/>
               </a:rPr>
-              <a:t>PC</a:t>
+              <a:t>electron</a:t>
             </a:r>
             <a:r>
               <a:rPr lang="ko-KR" altLang="en-US" sz="1100" dirty="0">
@@ -20835,24 +21948,20 @@
                 <a:latin typeface="G마켓 산스 TTF Bold" panose="02000000000000000000" pitchFamily="2" charset="-127"/>
                 <a:ea typeface="G마켓 산스 TTF Bold" panose="02000000000000000000" pitchFamily="2" charset="-127"/>
               </a:rPr>
-              <a:t>를 활용하여  프로그램을 작동</a:t>
-            </a:r>
-            <a:endParaRPr lang="en-US" altLang="ko-KR" sz="1100" dirty="0">
-              <a:solidFill>
-                <a:schemeClr val="bg1">
-                  <a:lumMod val="50000"/>
-                </a:schemeClr>
-              </a:solidFill>
-              <a:latin typeface="G마켓 산스 TTF Bold" panose="02000000000000000000" pitchFamily="2" charset="-127"/>
-              <a:ea typeface="G마켓 산스 TTF Bold" panose="02000000000000000000" pitchFamily="2" charset="-127"/>
-            </a:endParaRPr>
-          </a:p>
-          <a:p>
-            <a:pPr>
-              <a:lnSpc>
-                <a:spcPct val="150000"/>
-              </a:lnSpc>
-            </a:pPr>
+              <a:t>을 선택하였지만 </a:t>
+            </a:r>
+            <a:r>
+              <a:rPr lang="en-US" altLang="ko-KR" sz="1100" dirty="0">
+                <a:solidFill>
+                  <a:schemeClr val="bg1">
+                    <a:lumMod val="50000"/>
+                  </a:schemeClr>
+                </a:solidFill>
+                <a:latin typeface="G마켓 산스 TTF Bold" panose="02000000000000000000" pitchFamily="2" charset="-127"/>
+                <a:ea typeface="G마켓 산스 TTF Bold" panose="02000000000000000000" pitchFamily="2" charset="-127"/>
+              </a:rPr>
+              <a:t>web</a:t>
+            </a:r>
             <a:r>
               <a:rPr lang="ko-KR" altLang="en-US" sz="1100" dirty="0">
                 <a:solidFill>
@@ -20863,31 +21972,7 @@
                 <a:latin typeface="G마켓 산스 TTF Bold" panose="02000000000000000000" pitchFamily="2" charset="-127"/>
                 <a:ea typeface="G마켓 산스 TTF Bold" panose="02000000000000000000" pitchFamily="2" charset="-127"/>
               </a:rPr>
-              <a:t>    한다는 점에서 </a:t>
-            </a:r>
-            <a:r>
-              <a:rPr lang="en-US" altLang="ko-KR" sz="1100" dirty="0">
-                <a:solidFill>
-                  <a:schemeClr val="bg1">
-                    <a:lumMod val="50000"/>
-                  </a:schemeClr>
-                </a:solidFill>
-                <a:latin typeface="G마켓 산스 TTF Bold" panose="02000000000000000000" pitchFamily="2" charset="-127"/>
-                <a:ea typeface="G마켓 산스 TTF Bold" panose="02000000000000000000" pitchFamily="2" charset="-127"/>
-              </a:rPr>
-              <a:t>exe </a:t>
-            </a:r>
-            <a:r>
-              <a:rPr lang="ko-KR" altLang="en-US" sz="1100" dirty="0">
-                <a:solidFill>
-                  <a:schemeClr val="bg1">
-                    <a:lumMod val="50000"/>
-                  </a:schemeClr>
-                </a:solidFill>
-                <a:latin typeface="G마켓 산스 TTF Bold" panose="02000000000000000000" pitchFamily="2" charset="-127"/>
-                <a:ea typeface="G마켓 산스 TTF Bold" panose="02000000000000000000" pitchFamily="2" charset="-127"/>
-              </a:rPr>
-              <a:t>파일 배포가 필수 적</a:t>
+              <a:t>이 유지보수의 강점이 큼</a:t>
             </a:r>
             <a:endParaRPr lang="en-US" altLang="ko-KR" sz="1100" dirty="0">
               <a:solidFill>
